--- a/Liver Cirrhosis Prediction System.pptx
+++ b/Liver Cirrhosis Prediction System.pptx
@@ -5,34 +5,32 @@
     <p:sldMasterId id="2147483648" r:id="rId4"/>
   </p:sldMasterIdLst>
   <p:notesMasterIdLst>
-    <p:notesMasterId r:id="rId27"/>
+    <p:notesMasterId r:id="rId25"/>
   </p:notesMasterIdLst>
   <p:handoutMasterIdLst>
-    <p:handoutMasterId r:id="rId28"/>
+    <p:handoutMasterId r:id="rId26"/>
   </p:handoutMasterIdLst>
   <p:sldIdLst>
     <p:sldId id="256" r:id="rId5"/>
     <p:sldId id="300" r:id="rId6"/>
     <p:sldId id="257" r:id="rId7"/>
-    <p:sldId id="288" r:id="rId8"/>
-    <p:sldId id="289" r:id="rId9"/>
-    <p:sldId id="292" r:id="rId10"/>
-    <p:sldId id="299" r:id="rId11"/>
-    <p:sldId id="301" r:id="rId12"/>
-    <p:sldId id="295" r:id="rId13"/>
-    <p:sldId id="302" r:id="rId14"/>
-    <p:sldId id="290" r:id="rId15"/>
-    <p:sldId id="303" r:id="rId16"/>
-    <p:sldId id="286" r:id="rId17"/>
-    <p:sldId id="297" r:id="rId18"/>
-    <p:sldId id="298" r:id="rId19"/>
-    <p:sldId id="294" r:id="rId20"/>
-    <p:sldId id="304" r:id="rId21"/>
-    <p:sldId id="307" r:id="rId22"/>
-    <p:sldId id="308" r:id="rId23"/>
-    <p:sldId id="305" r:id="rId24"/>
-    <p:sldId id="306" r:id="rId25"/>
-    <p:sldId id="296" r:id="rId26"/>
+    <p:sldId id="289" r:id="rId8"/>
+    <p:sldId id="292" r:id="rId9"/>
+    <p:sldId id="299" r:id="rId10"/>
+    <p:sldId id="301" r:id="rId11"/>
+    <p:sldId id="295" r:id="rId12"/>
+    <p:sldId id="302" r:id="rId13"/>
+    <p:sldId id="290" r:id="rId14"/>
+    <p:sldId id="303" r:id="rId15"/>
+    <p:sldId id="286" r:id="rId16"/>
+    <p:sldId id="297" r:id="rId17"/>
+    <p:sldId id="298" r:id="rId18"/>
+    <p:sldId id="294" r:id="rId19"/>
+    <p:sldId id="308" r:id="rId20"/>
+    <p:sldId id="305" r:id="rId21"/>
+    <p:sldId id="306" r:id="rId22"/>
+    <p:sldId id="309" r:id="rId23"/>
+    <p:sldId id="296" r:id="rId24"/>
   </p:sldIdLst>
   <p:sldSz cx="12192000" cy="6858000"/>
   <p:notesSz cx="6858000" cy="9144000"/>
@@ -248,7 +246,7 @@
           <a:p>
             <a:fld id="{9D8190EA-5EEC-4300-B6AE-D9734C6C648E}" type="datetimeFigureOut">
               <a:rPr lang="en-US" smtClean="0"/>
-              <a:t>5/13/2024</a:t>
+              <a:t>5/21/2024</a:t>
             </a:fld>
             <a:endParaRPr lang="en-US" dirty="0"/>
           </a:p>
@@ -425,7 +423,7 @@
           <a:p>
             <a:fld id="{7487ADD9-2083-264C-A652-8D52D02F7E72}" type="datetimeFigureOut">
               <a:rPr lang="en-US" smtClean="0"/>
-              <a:t>5/13/2024</a:t>
+              <a:t>5/21/2024</a:t>
             </a:fld>
             <a:endParaRPr lang="en-US" dirty="0"/>
           </a:p>
@@ -850,7 +848,7 @@
     </p:spTree>
     <p:extLst>
       <p:ext uri="{BB962C8B-B14F-4D97-AF65-F5344CB8AC3E}">
-        <p14:creationId xmlns:p14="http://schemas.microsoft.com/office/powerpoint/2010/main" val="1425159299"/>
+        <p14:creationId xmlns:p14="http://schemas.microsoft.com/office/powerpoint/2010/main" val="965845358"/>
       </p:ext>
     </p:extLst>
   </p:cSld>
@@ -934,7 +932,7 @@
     </p:spTree>
     <p:extLst>
       <p:ext uri="{BB962C8B-B14F-4D97-AF65-F5344CB8AC3E}">
-        <p14:creationId xmlns:p14="http://schemas.microsoft.com/office/powerpoint/2010/main" val="965845358"/>
+        <p14:creationId xmlns:p14="http://schemas.microsoft.com/office/powerpoint/2010/main" val="3319086727"/>
       </p:ext>
     </p:extLst>
   </p:cSld>
@@ -1009,91 +1007,7 @@
           <a:p>
             <a:fld id="{F97DC217-DF71-1A49-B3EA-559F1F43B0FF}" type="slidenum">
               <a:rPr lang="en-US" smtClean="0"/>
-              <a:t>16</a:t>
-            </a:fld>
-            <a:endParaRPr lang="en-US" dirty="0"/>
-          </a:p>
-        </p:txBody>
-      </p:sp>
-    </p:spTree>
-    <p:extLst>
-      <p:ext uri="{BB962C8B-B14F-4D97-AF65-F5344CB8AC3E}">
-        <p14:creationId xmlns:p14="http://schemas.microsoft.com/office/powerpoint/2010/main" val="3319086727"/>
-      </p:ext>
-    </p:extLst>
-  </p:cSld>
-  <p:clrMapOvr>
-    <a:masterClrMapping/>
-  </p:clrMapOvr>
-</p:notes>
-</file>
-
-<file path=ppt/notesSlides/notesSlide13.xml><?xml version="1.0" encoding="utf-8"?>
-<p:notes xmlns:a="http://schemas.openxmlformats.org/drawingml/2006/main" xmlns:r="http://schemas.openxmlformats.org/officeDocument/2006/relationships" xmlns:p="http://schemas.openxmlformats.org/presentationml/2006/main">
-  <p:cSld>
-    <p:spTree>
-      <p:nvGrpSpPr>
-        <p:cNvPr id="1" name=""/>
-        <p:cNvGrpSpPr/>
-        <p:nvPr/>
-      </p:nvGrpSpPr>
-      <p:grpSpPr>
-        <a:xfrm>
-          <a:off x="0" y="0"/>
-          <a:ext cx="0" cy="0"/>
-          <a:chOff x="0" y="0"/>
-          <a:chExt cx="0" cy="0"/>
-        </a:xfrm>
-      </p:grpSpPr>
-      <p:sp>
-        <p:nvSpPr>
-          <p:cNvPr id="2" name="Slide Image Placeholder 1"/>
-          <p:cNvSpPr>
-            <a:spLocks noGrp="1" noRot="1" noChangeAspect="1"/>
-          </p:cNvSpPr>
-          <p:nvPr>
-            <p:ph type="sldImg"/>
-          </p:nvPr>
-        </p:nvSpPr>
-        <p:spPr/>
-      </p:sp>
-      <p:sp>
-        <p:nvSpPr>
-          <p:cNvPr id="3" name="Notes Placeholder 2"/>
-          <p:cNvSpPr>
-            <a:spLocks noGrp="1"/>
-          </p:cNvSpPr>
-          <p:nvPr>
-            <p:ph type="body" idx="1"/>
-          </p:nvPr>
-        </p:nvSpPr>
-        <p:spPr/>
-        <p:txBody>
-          <a:bodyPr/>
-          <a:lstStyle/>
-          <a:p>
-            <a:endParaRPr lang="en-US" dirty="0"/>
-          </a:p>
-        </p:txBody>
-      </p:sp>
-      <p:sp>
-        <p:nvSpPr>
-          <p:cNvPr id="4" name="Slide Number Placeholder 3"/>
-          <p:cNvSpPr>
-            <a:spLocks noGrp="1"/>
-          </p:cNvSpPr>
-          <p:nvPr>
-            <p:ph type="sldNum" sz="quarter" idx="5"/>
-          </p:nvPr>
-        </p:nvSpPr>
-        <p:spPr/>
-        <p:txBody>
-          <a:bodyPr/>
-          <a:lstStyle/>
-          <a:p>
-            <a:fld id="{F97DC217-DF71-1A49-B3EA-559F1F43B0FF}" type="slidenum">
-              <a:rPr lang="en-US" smtClean="0"/>
-              <a:t>22</a:t>
+              <a:t>20</a:t>
             </a:fld>
             <a:endParaRPr lang="en-US" dirty="0"/>
           </a:p>
@@ -1270,7 +1184,7 @@
     </p:spTree>
     <p:extLst>
       <p:ext uri="{BB962C8B-B14F-4D97-AF65-F5344CB8AC3E}">
-        <p14:creationId xmlns:p14="http://schemas.microsoft.com/office/powerpoint/2010/main" val="3862743819"/>
+        <p14:creationId xmlns:p14="http://schemas.microsoft.com/office/powerpoint/2010/main" val="4194793359"/>
       </p:ext>
     </p:extLst>
   </p:cSld>
@@ -1354,7 +1268,7 @@
     </p:spTree>
     <p:extLst>
       <p:ext uri="{BB962C8B-B14F-4D97-AF65-F5344CB8AC3E}">
-        <p14:creationId xmlns:p14="http://schemas.microsoft.com/office/powerpoint/2010/main" val="4194793359"/>
+        <p14:creationId xmlns:p14="http://schemas.microsoft.com/office/powerpoint/2010/main" val="1616857176"/>
       </p:ext>
     </p:extLst>
   </p:cSld>
@@ -1429,7 +1343,7 @@
           <a:p>
             <a:fld id="{F97DC217-DF71-1A49-B3EA-559F1F43B0FF}" type="slidenum">
               <a:rPr lang="en-US" smtClean="0"/>
-              <a:t>6</a:t>
+              <a:t>8</a:t>
             </a:fld>
             <a:endParaRPr lang="en-US" dirty="0"/>
           </a:p>
@@ -1438,7 +1352,7 @@
     </p:spTree>
     <p:extLst>
       <p:ext uri="{BB962C8B-B14F-4D97-AF65-F5344CB8AC3E}">
-        <p14:creationId xmlns:p14="http://schemas.microsoft.com/office/powerpoint/2010/main" val="1616857176"/>
+        <p14:creationId xmlns:p14="http://schemas.microsoft.com/office/powerpoint/2010/main" val="2474778719"/>
       </p:ext>
     </p:extLst>
   </p:cSld>
@@ -1522,7 +1436,7 @@
     </p:spTree>
     <p:extLst>
       <p:ext uri="{BB962C8B-B14F-4D97-AF65-F5344CB8AC3E}">
-        <p14:creationId xmlns:p14="http://schemas.microsoft.com/office/powerpoint/2010/main" val="2474778719"/>
+        <p14:creationId xmlns:p14="http://schemas.microsoft.com/office/powerpoint/2010/main" val="599908352"/>
       </p:ext>
     </p:extLst>
   </p:cSld>
@@ -1606,7 +1520,7 @@
     </p:spTree>
     <p:extLst>
       <p:ext uri="{BB962C8B-B14F-4D97-AF65-F5344CB8AC3E}">
-        <p14:creationId xmlns:p14="http://schemas.microsoft.com/office/powerpoint/2010/main" val="599908352"/>
+        <p14:creationId xmlns:p14="http://schemas.microsoft.com/office/powerpoint/2010/main" val="1639086895"/>
       </p:ext>
     </p:extLst>
   </p:cSld>
@@ -1681,7 +1595,7 @@
           <a:p>
             <a:fld id="{F97DC217-DF71-1A49-B3EA-559F1F43B0FF}" type="slidenum">
               <a:rPr lang="en-US" smtClean="0"/>
-              <a:t>11</a:t>
+              <a:t>12</a:t>
             </a:fld>
             <a:endParaRPr lang="en-US" dirty="0"/>
           </a:p>
@@ -1690,7 +1604,7 @@
     </p:spTree>
     <p:extLst>
       <p:ext uri="{BB962C8B-B14F-4D97-AF65-F5344CB8AC3E}">
-        <p14:creationId xmlns:p14="http://schemas.microsoft.com/office/powerpoint/2010/main" val="1639086895"/>
+        <p14:creationId xmlns:p14="http://schemas.microsoft.com/office/powerpoint/2010/main" val="1938948903"/>
       </p:ext>
     </p:extLst>
   </p:cSld>
@@ -1774,7 +1688,7 @@
     </p:spTree>
     <p:extLst>
       <p:ext uri="{BB962C8B-B14F-4D97-AF65-F5344CB8AC3E}">
-        <p14:creationId xmlns:p14="http://schemas.microsoft.com/office/powerpoint/2010/main" val="1938948903"/>
+        <p14:creationId xmlns:p14="http://schemas.microsoft.com/office/powerpoint/2010/main" val="1425159299"/>
       </p:ext>
     </p:extLst>
   </p:cSld>
@@ -1785,7 +1699,7 @@
 </file>
 
 <file path=ppt/slideLayouts/slideLayout1.xml><?xml version="1.0" encoding="utf-8"?>
-<p:sldLayout xmlns:a="http://schemas.openxmlformats.org/drawingml/2006/main" xmlns:r="http://schemas.openxmlformats.org/officeDocument/2006/relationships" xmlns:p="http://schemas.openxmlformats.org/presentationml/2006/main" preserve="1" userDrawn="1">
+<p:sldLayout xmlns:a="http://schemas.openxmlformats.org/drawingml/2006/main" xmlns:r="http://schemas.openxmlformats.org/officeDocument/2006/relationships" xmlns:p="http://schemas.openxmlformats.org/presentationml/2006/main" showMasterSp="0" preserve="1" userDrawn="1">
   <p:cSld name="Title Slide">
     <p:spTree>
       <p:nvGrpSpPr>
@@ -2704,16 +2618,8 @@
 </file>
 
 <file path=ppt/slideLayouts/slideLayout10.xml><?xml version="1.0" encoding="utf-8"?>
-<p:sldLayout xmlns:a="http://schemas.openxmlformats.org/drawingml/2006/main" xmlns:r="http://schemas.openxmlformats.org/officeDocument/2006/relationships" xmlns:p="http://schemas.openxmlformats.org/presentationml/2006/main" userDrawn="1">
+<p:sldLayout xmlns:a="http://schemas.openxmlformats.org/drawingml/2006/main" xmlns:r="http://schemas.openxmlformats.org/officeDocument/2006/relationships" xmlns:p="http://schemas.openxmlformats.org/presentationml/2006/main" showMasterSp="0" userDrawn="1">
   <p:cSld name="SmartArt 2">
-    <p:bg>
-      <p:bgPr>
-        <a:solidFill>
-          <a:schemeClr val="accent2"/>
-        </a:solidFill>
-        <a:effectLst/>
-      </p:bgPr>
-    </p:bg>
     <p:spTree>
       <p:nvGrpSpPr>
         <p:cNvPr id="1" name=""/>
@@ -3387,7 +3293,7 @@
 </file>
 
 <file path=ppt/slideLayouts/slideLayout11.xml><?xml version="1.0" encoding="utf-8"?>
-<p:sldLayout xmlns:a="http://schemas.openxmlformats.org/drawingml/2006/main" xmlns:r="http://schemas.openxmlformats.org/officeDocument/2006/relationships" xmlns:p="http://schemas.openxmlformats.org/presentationml/2006/main" userDrawn="1">
+<p:sldLayout xmlns:a="http://schemas.openxmlformats.org/drawingml/2006/main" xmlns:r="http://schemas.openxmlformats.org/officeDocument/2006/relationships" xmlns:p="http://schemas.openxmlformats.org/presentationml/2006/main" showMasterSp="0" userDrawn="1">
   <p:cSld name="Title and Content and Image 2">
     <p:spTree>
       <p:nvGrpSpPr>
@@ -4333,16 +4239,8 @@
 </file>
 
 <file path=ppt/slideLayouts/slideLayout12.xml><?xml version="1.0" encoding="utf-8"?>
-<p:sldLayout xmlns:a="http://schemas.openxmlformats.org/drawingml/2006/main" xmlns:r="http://schemas.openxmlformats.org/officeDocument/2006/relationships" xmlns:p="http://schemas.openxmlformats.org/presentationml/2006/main" type="obj" preserve="1">
+<p:sldLayout xmlns:a="http://schemas.openxmlformats.org/drawingml/2006/main" xmlns:r="http://schemas.openxmlformats.org/officeDocument/2006/relationships" xmlns:p="http://schemas.openxmlformats.org/presentationml/2006/main" showMasterSp="0" type="obj" preserve="1">
   <p:cSld name="Chart ">
-    <p:bg>
-      <p:bgPr>
-        <a:solidFill>
-          <a:schemeClr val="accent2"/>
-        </a:solidFill>
-        <a:effectLst/>
-      </p:bgPr>
-    </p:bg>
     <p:spTree>
       <p:nvGrpSpPr>
         <p:cNvPr id="1" name=""/>
@@ -4921,7 +4819,7 @@
 </file>
 
 <file path=ppt/slideLayouts/slideLayout13.xml><?xml version="1.0" encoding="utf-8"?>
-<p:sldLayout xmlns:a="http://schemas.openxmlformats.org/drawingml/2006/main" xmlns:r="http://schemas.openxmlformats.org/officeDocument/2006/relationships" xmlns:p="http://schemas.openxmlformats.org/presentationml/2006/main" type="title" preserve="1">
+<p:sldLayout xmlns:a="http://schemas.openxmlformats.org/drawingml/2006/main" xmlns:r="http://schemas.openxmlformats.org/officeDocument/2006/relationships" xmlns:p="http://schemas.openxmlformats.org/presentationml/2006/main" showMasterSp="0" type="title" preserve="1">
   <p:cSld name="End Slide">
     <p:spTree>
       <p:nvGrpSpPr>
@@ -5657,7 +5555,7 @@
 </file>
 
 <file path=ppt/slideLayouts/slideLayout2.xml><?xml version="1.0" encoding="utf-8"?>
-<p:sldLayout xmlns:a="http://schemas.openxmlformats.org/drawingml/2006/main" xmlns:r="http://schemas.openxmlformats.org/officeDocument/2006/relationships" xmlns:p="http://schemas.openxmlformats.org/presentationml/2006/main" type="obj" preserve="1">
+<p:sldLayout xmlns:a="http://schemas.openxmlformats.org/drawingml/2006/main" xmlns:r="http://schemas.openxmlformats.org/officeDocument/2006/relationships" xmlns:p="http://schemas.openxmlformats.org/presentationml/2006/main" showMasterSp="0" type="obj" preserve="1">
   <p:cSld name="Title and Content">
     <p:spTree>
       <p:nvGrpSpPr>
@@ -6573,7 +6471,7 @@
 </file>
 
 <file path=ppt/slideLayouts/slideLayout3.xml><?xml version="1.0" encoding="utf-8"?>
-<p:sldLayout xmlns:a="http://schemas.openxmlformats.org/drawingml/2006/main" xmlns:r="http://schemas.openxmlformats.org/officeDocument/2006/relationships" xmlns:p="http://schemas.openxmlformats.org/presentationml/2006/main" userDrawn="1">
+<p:sldLayout xmlns:a="http://schemas.openxmlformats.org/drawingml/2006/main" xmlns:r="http://schemas.openxmlformats.org/officeDocument/2006/relationships" xmlns:p="http://schemas.openxmlformats.org/presentationml/2006/main" showMasterSp="0" userDrawn="1">
   <p:cSld name="Title and Right Image">
     <p:spTree>
       <p:nvGrpSpPr>
@@ -7439,7 +7337,7 @@
 </file>
 
 <file path=ppt/slideLayouts/slideLayout4.xml><?xml version="1.0" encoding="utf-8"?>
-<p:sldLayout xmlns:a="http://schemas.openxmlformats.org/drawingml/2006/main" xmlns:r="http://schemas.openxmlformats.org/officeDocument/2006/relationships" xmlns:p="http://schemas.openxmlformats.org/presentationml/2006/main" userDrawn="1">
+<p:sldLayout xmlns:a="http://schemas.openxmlformats.org/drawingml/2006/main" xmlns:r="http://schemas.openxmlformats.org/officeDocument/2006/relationships" xmlns:p="http://schemas.openxmlformats.org/presentationml/2006/main" showMasterSp="0" userDrawn="1">
   <p:cSld name="Title and Left Image">
     <p:spTree>
       <p:nvGrpSpPr>
@@ -8379,16 +8277,8 @@
 </file>
 
 <file path=ppt/slideLayouts/slideLayout5.xml><?xml version="1.0" encoding="utf-8"?>
-<p:sldLayout xmlns:a="http://schemas.openxmlformats.org/drawingml/2006/main" xmlns:r="http://schemas.openxmlformats.org/officeDocument/2006/relationships" xmlns:p="http://schemas.openxmlformats.org/presentationml/2006/main" preserve="1" userDrawn="1">
+<p:sldLayout xmlns:a="http://schemas.openxmlformats.org/drawingml/2006/main" xmlns:r="http://schemas.openxmlformats.org/officeDocument/2006/relationships" xmlns:p="http://schemas.openxmlformats.org/presentationml/2006/main" showMasterSp="0" preserve="1" userDrawn="1">
   <p:cSld name="Title and content 2">
-    <p:bg>
-      <p:bgPr>
-        <a:solidFill>
-          <a:schemeClr val="accent2"/>
-        </a:solidFill>
-        <a:effectLst/>
-      </p:bgPr>
-    </p:bg>
     <p:spTree>
       <p:nvGrpSpPr>
         <p:cNvPr id="1" name=""/>
@@ -9105,7 +8995,7 @@
 </file>
 
 <file path=ppt/slideLayouts/slideLayout6.xml><?xml version="1.0" encoding="utf-8"?>
-<p:sldLayout xmlns:a="http://schemas.openxmlformats.org/drawingml/2006/main" xmlns:r="http://schemas.openxmlformats.org/officeDocument/2006/relationships" xmlns:p="http://schemas.openxmlformats.org/presentationml/2006/main" type="title" preserve="1">
+<p:sldLayout xmlns:a="http://schemas.openxmlformats.org/drawingml/2006/main" xmlns:r="http://schemas.openxmlformats.org/officeDocument/2006/relationships" xmlns:p="http://schemas.openxmlformats.org/presentationml/2006/main" showMasterSp="0" type="title" preserve="1">
   <p:cSld name="Section title">
     <p:spTree>
       <p:nvGrpSpPr>
@@ -9855,7 +9745,7 @@
 </file>
 
 <file path=ppt/slideLayouts/slideLayout7.xml><?xml version="1.0" encoding="utf-8"?>
-<p:sldLayout xmlns:a="http://schemas.openxmlformats.org/drawingml/2006/main" xmlns:r="http://schemas.openxmlformats.org/officeDocument/2006/relationships" xmlns:p="http://schemas.openxmlformats.org/presentationml/2006/main" preserve="1" userDrawn="1">
+<p:sldLayout xmlns:a="http://schemas.openxmlformats.org/drawingml/2006/main" xmlns:r="http://schemas.openxmlformats.org/officeDocument/2006/relationships" xmlns:p="http://schemas.openxmlformats.org/presentationml/2006/main" showMasterSp="0" preserve="1" userDrawn="1">
   <p:cSld name="Title and 2 Column Content">
     <p:spTree>
       <p:nvGrpSpPr>
@@ -10892,16 +10782,8 @@
 </file>
 
 <file path=ppt/slideLayouts/slideLayout8.xml><?xml version="1.0" encoding="utf-8"?>
-<p:sldLayout xmlns:a="http://schemas.openxmlformats.org/drawingml/2006/main" xmlns:r="http://schemas.openxmlformats.org/officeDocument/2006/relationships" xmlns:p="http://schemas.openxmlformats.org/presentationml/2006/main" preserve="1" userDrawn="1">
+<p:sldLayout xmlns:a="http://schemas.openxmlformats.org/drawingml/2006/main" xmlns:r="http://schemas.openxmlformats.org/officeDocument/2006/relationships" xmlns:p="http://schemas.openxmlformats.org/presentationml/2006/main" showMasterSp="0" preserve="1" userDrawn="1">
   <p:cSld name="Title and 2 content">
-    <p:bg>
-      <p:bgPr>
-        <a:solidFill>
-          <a:schemeClr val="accent1"/>
-        </a:solidFill>
-        <a:effectLst/>
-      </p:bgPr>
-    </p:bg>
     <p:spTree>
       <p:nvGrpSpPr>
         <p:cNvPr id="1" name=""/>
@@ -11596,16 +11478,8 @@
 </file>
 
 <file path=ppt/slideLayouts/slideLayout9.xml><?xml version="1.0" encoding="utf-8"?>
-<p:sldLayout xmlns:a="http://schemas.openxmlformats.org/drawingml/2006/main" xmlns:r="http://schemas.openxmlformats.org/officeDocument/2006/relationships" xmlns:p="http://schemas.openxmlformats.org/presentationml/2006/main" userDrawn="1">
+<p:sldLayout xmlns:a="http://schemas.openxmlformats.org/drawingml/2006/main" xmlns:r="http://schemas.openxmlformats.org/officeDocument/2006/relationships" xmlns:p="http://schemas.openxmlformats.org/presentationml/2006/main" showMasterSp="0" userDrawn="1">
   <p:cSld name="Title and Content and Image 1">
-    <p:bg>
-      <p:bgPr>
-        <a:solidFill>
-          <a:schemeClr val="accent2"/>
-        </a:solidFill>
-        <a:effectLst/>
-      </p:bgPr>
-    </p:bg>
     <p:spTree>
       <p:nvGrpSpPr>
         <p:cNvPr id="1" name=""/>
@@ -12904,7 +12778,7 @@
 </file>
 
 <file path=ppt/slides/slide1.xml><?xml version="1.0" encoding="utf-8"?>
-<p:sld xmlns:a="http://schemas.openxmlformats.org/drawingml/2006/main" xmlns:r="http://schemas.openxmlformats.org/officeDocument/2006/relationships" xmlns:p="http://schemas.openxmlformats.org/presentationml/2006/main">
+<p:sld xmlns:a="http://schemas.openxmlformats.org/drawingml/2006/main" xmlns:r="http://schemas.openxmlformats.org/officeDocument/2006/relationships" xmlns:p="http://schemas.openxmlformats.org/presentationml/2006/main" showMasterSp="0">
   <p:cSld>
     <p:spTree>
       <p:nvGrpSpPr>
@@ -12938,7 +12812,7 @@
         </p:nvSpPr>
         <p:spPr>
           <a:xfrm>
-            <a:off x="1167493" y="232913"/>
+            <a:off x="499673" y="839088"/>
             <a:ext cx="7096933" cy="3830130"/>
           </a:xfrm>
         </p:spPr>
@@ -13053,6 +12927,42 @@
           </a:p>
         </p:txBody>
       </p:sp>
+      <p:pic>
+        <p:nvPicPr>
+          <p:cNvPr id="6" name="Picture 5">
+            <a:extLst>
+              <a:ext uri="{FF2B5EF4-FFF2-40B4-BE49-F238E27FC236}">
+                <a16:creationId xmlns:a16="http://schemas.microsoft.com/office/drawing/2014/main" id="{6E22FC91-0945-21B2-4F65-C0FFA3517977}"/>
+              </a:ext>
+            </a:extLst>
+          </p:cNvPr>
+          <p:cNvPicPr>
+            <a:picLocks noChangeAspect="1"/>
+          </p:cNvPicPr>
+          <p:nvPr/>
+        </p:nvPicPr>
+        <p:blipFill>
+          <a:blip r:embed="rId4">
+            <a:extLst>
+              <a:ext uri="{837473B0-CC2E-450A-ABE3-18F120FF3D39}">
+                <a1611:picAttrSrcUrl xmlns:a1611="http://schemas.microsoft.com/office/drawing/2016/11/main" r:id="rId5"/>
+              </a:ext>
+            </a:extLst>
+          </a:blip>
+          <a:stretch>
+            <a:fillRect/>
+          </a:stretch>
+        </p:blipFill>
+        <p:spPr>
+          <a:xfrm>
+            <a:off x="8083546" y="1385550"/>
+            <a:ext cx="3259123" cy="2737205"/>
+          </a:xfrm>
+          <a:prstGeom prst="rect">
+            <a:avLst/>
+          </a:prstGeom>
+        </p:spPr>
+      </p:pic>
     </p:spTree>
     <p:extLst>
       <p:ext uri="{BB962C8B-B14F-4D97-AF65-F5344CB8AC3E}">
@@ -13067,139 +12977,7 @@
 </file>
 
 <file path=ppt/slides/slide10.xml><?xml version="1.0" encoding="utf-8"?>
-<p:sld xmlns:a="http://schemas.openxmlformats.org/drawingml/2006/main" xmlns:r="http://schemas.openxmlformats.org/officeDocument/2006/relationships" xmlns:p="http://schemas.openxmlformats.org/presentationml/2006/main">
-  <p:cSld>
-    <p:spTree>
-      <p:nvGrpSpPr>
-        <p:cNvPr id="1" name=""/>
-        <p:cNvGrpSpPr/>
-        <p:nvPr/>
-      </p:nvGrpSpPr>
-      <p:grpSpPr>
-        <a:xfrm>
-          <a:off x="0" y="0"/>
-          <a:ext cx="0" cy="0"/>
-          <a:chOff x="0" y="0"/>
-          <a:chExt cx="0" cy="0"/>
-        </a:xfrm>
-      </p:grpSpPr>
-      <p:sp>
-        <p:nvSpPr>
-          <p:cNvPr id="2" name="Title 1">
-            <a:extLst>
-              <a:ext uri="{FF2B5EF4-FFF2-40B4-BE49-F238E27FC236}">
-                <a16:creationId xmlns:a16="http://schemas.microsoft.com/office/drawing/2014/main" id="{E3CEE190-899A-46D2-989D-C4BC6A46F946}"/>
-              </a:ext>
-            </a:extLst>
-          </p:cNvPr>
-          <p:cNvSpPr>
-            <a:spLocks noGrp="1"/>
-          </p:cNvSpPr>
-          <p:nvPr>
-            <p:ph type="title"/>
-          </p:nvPr>
-        </p:nvSpPr>
-        <p:spPr>
-          <a:xfrm>
-            <a:off x="5943600" y="457200"/>
-            <a:ext cx="5120640" cy="3200400"/>
-          </a:xfrm>
-        </p:spPr>
-        <p:txBody>
-          <a:bodyPr/>
-          <a:lstStyle/>
-          <a:p>
-            <a:r>
-              <a:rPr lang="en-US" dirty="0"/>
-              <a:t>Algorithms</a:t>
-            </a:r>
-          </a:p>
-        </p:txBody>
-      </p:sp>
-      <p:sp>
-        <p:nvSpPr>
-          <p:cNvPr id="3" name="Subtitle 2">
-            <a:extLst>
-              <a:ext uri="{FF2B5EF4-FFF2-40B4-BE49-F238E27FC236}">
-                <a16:creationId xmlns:a16="http://schemas.microsoft.com/office/drawing/2014/main" id="{26BC9DE8-A5CC-4BE1-0DE5-CB15D01A7919}"/>
-              </a:ext>
-            </a:extLst>
-          </p:cNvPr>
-          <p:cNvSpPr>
-            <a:spLocks noGrp="1"/>
-          </p:cNvSpPr>
-          <p:nvPr>
-            <p:ph type="subTitle" idx="1"/>
-          </p:nvPr>
-        </p:nvSpPr>
-        <p:spPr>
-          <a:xfrm>
-            <a:off x="5943598" y="3657600"/>
-            <a:ext cx="5120640" cy="1828800"/>
-          </a:xfrm>
-        </p:spPr>
-        <p:txBody>
-          <a:bodyPr/>
-          <a:lstStyle/>
-          <a:p>
-            <a:r>
-              <a:rPr lang="en-US" dirty="0"/>
-              <a:t>`</a:t>
-            </a:r>
-          </a:p>
-        </p:txBody>
-      </p:sp>
-      <p:pic>
-        <p:nvPicPr>
-          <p:cNvPr id="17" name="Picture Placeholder 16" descr="Two people walking down a sidewalk">
-            <a:extLst>
-              <a:ext uri="{FF2B5EF4-FFF2-40B4-BE49-F238E27FC236}">
-                <a16:creationId xmlns:a16="http://schemas.microsoft.com/office/drawing/2014/main" id="{2ECBBDA4-D2C1-0F46-BA36-5967266F87AD}"/>
-              </a:ext>
-            </a:extLst>
-          </p:cNvPr>
-          <p:cNvPicPr>
-            <a:picLocks noGrp="1" noChangeAspect="1"/>
-          </p:cNvPicPr>
-          <p:nvPr>
-            <p:ph type="pic" sz="quarter" idx="10"/>
-          </p:nvPr>
-        </p:nvPicPr>
-        <p:blipFill rotWithShape="1">
-          <a:blip r:embed="rId3">
-            <a:duotone>
-              <a:schemeClr val="accent4">
-                <a:shade val="45000"/>
-                <a:satMod val="135000"/>
-              </a:schemeClr>
-              <a:prstClr val="white"/>
-            </a:duotone>
-          </a:blip>
-          <a:srcRect l="16819" r="16819"/>
-          <a:stretch/>
-        </p:blipFill>
-        <p:spPr>
-          <a:xfrm>
-            <a:off x="904238" y="1157224"/>
-            <a:ext cx="4500562" cy="4521200"/>
-          </a:xfrm>
-        </p:spPr>
-      </p:pic>
-    </p:spTree>
-    <p:extLst>
-      <p:ext uri="{BB962C8B-B14F-4D97-AF65-F5344CB8AC3E}">
-        <p14:creationId xmlns:p14="http://schemas.microsoft.com/office/powerpoint/2010/main" val="254394053"/>
-      </p:ext>
-    </p:extLst>
-  </p:cSld>
-  <p:clrMapOvr>
-    <a:masterClrMapping/>
-  </p:clrMapOvr>
-</p:sld>
-</file>
-
-<file path=ppt/slides/slide11.xml><?xml version="1.0" encoding="utf-8"?>
-<p:sld xmlns:a="http://schemas.openxmlformats.org/drawingml/2006/main" xmlns:r="http://schemas.openxmlformats.org/officeDocument/2006/relationships" xmlns:p="http://schemas.openxmlformats.org/presentationml/2006/main">
+<p:sld xmlns:a="http://schemas.openxmlformats.org/drawingml/2006/main" xmlns:r="http://schemas.openxmlformats.org/officeDocument/2006/relationships" xmlns:p="http://schemas.openxmlformats.org/presentationml/2006/main" showMasterSp="0">
   <p:cSld>
     <p:spTree>
       <p:nvGrpSpPr>
@@ -13337,8 +13115,8 @@
 </p:sld>
 </file>
 
-<file path=ppt/slides/slide12.xml><?xml version="1.0" encoding="utf-8"?>
-<p:sld xmlns:a="http://schemas.openxmlformats.org/drawingml/2006/main" xmlns:r="http://schemas.openxmlformats.org/officeDocument/2006/relationships" xmlns:p="http://schemas.openxmlformats.org/presentationml/2006/main">
+<file path=ppt/slides/slide11.xml><?xml version="1.0" encoding="utf-8"?>
+<p:sld xmlns:a="http://schemas.openxmlformats.org/drawingml/2006/main" xmlns:r="http://schemas.openxmlformats.org/officeDocument/2006/relationships" xmlns:p="http://schemas.openxmlformats.org/presentationml/2006/main" showMasterSp="0">
   <p:cSld>
     <p:spTree>
       <p:nvGrpSpPr>
@@ -13467,8 +13245,8 @@
 </p:sld>
 </file>
 
-<file path=ppt/slides/slide13.xml><?xml version="1.0" encoding="utf-8"?>
-<p:sld xmlns:a="http://schemas.openxmlformats.org/drawingml/2006/main" xmlns:r="http://schemas.openxmlformats.org/officeDocument/2006/relationships" xmlns:p="http://schemas.openxmlformats.org/presentationml/2006/main">
+<file path=ppt/slides/slide12.xml><?xml version="1.0" encoding="utf-8"?>
+<p:sld xmlns:a="http://schemas.openxmlformats.org/drawingml/2006/main" xmlns:r="http://schemas.openxmlformats.org/officeDocument/2006/relationships" xmlns:p="http://schemas.openxmlformats.org/presentationml/2006/main" showMasterSp="0">
   <p:cSld>
     <p:spTree>
       <p:nvGrpSpPr>
@@ -13514,47 +13292,11 @@
           <a:p>
             <a:r>
               <a:rPr lang="en-US" dirty="0"/>
-              <a:t>Implementation</a:t>
+              <a:t>Modules</a:t>
             </a:r>
           </a:p>
         </p:txBody>
       </p:sp>
-      <p:pic>
-        <p:nvPicPr>
-          <p:cNvPr id="10" name="Picture Placeholder 9" descr="A person holding books in a classroom">
-            <a:extLst>
-              <a:ext uri="{FF2B5EF4-FFF2-40B4-BE49-F238E27FC236}">
-                <a16:creationId xmlns:a16="http://schemas.microsoft.com/office/drawing/2014/main" id="{FCA2FB5B-570E-D181-A4B1-1DCB61C08948}"/>
-              </a:ext>
-            </a:extLst>
-          </p:cNvPr>
-          <p:cNvPicPr>
-            <a:picLocks noGrp="1" noChangeAspect="1"/>
-          </p:cNvPicPr>
-          <p:nvPr>
-            <p:ph type="pic" sz="quarter" idx="10"/>
-          </p:nvPr>
-        </p:nvPicPr>
-        <p:blipFill rotWithShape="1">
-          <a:blip r:embed="rId3">
-            <a:duotone>
-              <a:schemeClr val="accent4">
-                <a:shade val="45000"/>
-                <a:satMod val="135000"/>
-              </a:schemeClr>
-              <a:prstClr val="white"/>
-            </a:duotone>
-          </a:blip>
-          <a:srcRect l="16819" r="16819"/>
-          <a:stretch/>
-        </p:blipFill>
-        <p:spPr>
-          <a:xfrm>
-            <a:off x="7183438" y="1168400"/>
-            <a:ext cx="4500562" cy="4521200"/>
-          </a:xfrm>
-        </p:spPr>
-      </p:pic>
     </p:spTree>
     <p:extLst>
       <p:ext uri="{BB962C8B-B14F-4D97-AF65-F5344CB8AC3E}">
@@ -13568,8 +13310,8 @@
 </p:sld>
 </file>
 
-<file path=ppt/slides/slide14.xml><?xml version="1.0" encoding="utf-8"?>
-<p:sld xmlns:a="http://schemas.openxmlformats.org/drawingml/2006/main" xmlns:r="http://schemas.openxmlformats.org/officeDocument/2006/relationships" xmlns:p="http://schemas.openxmlformats.org/presentationml/2006/main">
+<file path=ppt/slides/slide13.xml><?xml version="1.0" encoding="utf-8"?>
+<p:sld xmlns:a="http://schemas.openxmlformats.org/drawingml/2006/main" xmlns:r="http://schemas.openxmlformats.org/officeDocument/2006/relationships" xmlns:p="http://schemas.openxmlformats.org/presentationml/2006/main" showMasterSp="0">
   <p:cSld>
     <p:spTree>
       <p:nvGrpSpPr>
@@ -13614,7 +13356,11 @@
           <a:lstStyle/>
           <a:p>
             <a:r>
-              <a:rPr lang="en-US" sz="3200" dirty="0"/>
+              <a:rPr lang="en-US" sz="3200" dirty="0">
+                <a:solidFill>
+                  <a:schemeClr val="tx1"/>
+                </a:solidFill>
+              </a:rPr>
               <a:t>Installing and Importing Required Libraries</a:t>
             </a:r>
           </a:p>
@@ -13649,53 +13395,97 @@
           <a:lstStyle/>
           <a:p>
             <a:r>
-              <a:rPr lang="en-US" b="1" dirty="0" err="1"/>
+              <a:rPr lang="en-US" b="1" dirty="0" err="1">
+                <a:solidFill>
+                  <a:schemeClr val="tx1"/>
+                </a:solidFill>
+              </a:rPr>
               <a:t>Numpy</a:t>
             </a:r>
             <a:r>
-              <a:rPr lang="en-US" b="1" dirty="0"/>
+              <a:rPr lang="en-US" b="1" dirty="0">
+                <a:solidFill>
+                  <a:schemeClr val="tx1"/>
+                </a:solidFill>
+              </a:rPr>
               <a:t>:</a:t>
             </a:r>
             <a:r>
-              <a:rPr lang="en-US" dirty="0"/>
+              <a:rPr lang="en-US" dirty="0">
+                <a:solidFill>
+                  <a:schemeClr val="tx1"/>
+                </a:solidFill>
+              </a:rPr>
               <a:t> It is a fundamental package for scientific computing with Python. It provides support for arrays, matrices, and mathematical functions to operate on these arrays.</a:t>
             </a:r>
           </a:p>
           <a:p>
             <a:r>
-              <a:rPr lang="en-US" b="1" dirty="0"/>
+              <a:rPr lang="en-US" b="1" dirty="0">
+                <a:solidFill>
+                  <a:schemeClr val="tx1"/>
+                </a:solidFill>
+              </a:rPr>
               <a:t>Pandas:</a:t>
             </a:r>
             <a:r>
-              <a:rPr lang="en-US" dirty="0"/>
+              <a:rPr lang="en-US" dirty="0">
+                <a:solidFill>
+                  <a:schemeClr val="tx1"/>
+                </a:solidFill>
+              </a:rPr>
               <a:t> It is a powerful data manipulation and analysis library. It provides data structures like </a:t>
             </a:r>
             <a:r>
-              <a:rPr lang="en-US" dirty="0" err="1"/>
+              <a:rPr lang="en-US" dirty="0" err="1">
+                <a:solidFill>
+                  <a:schemeClr val="tx1"/>
+                </a:solidFill>
+              </a:rPr>
               <a:t>DataFrame</a:t>
             </a:r>
             <a:r>
-              <a:rPr lang="en-US" dirty="0"/>
+              <a:rPr lang="en-US" dirty="0">
+                <a:solidFill>
+                  <a:schemeClr val="tx1"/>
+                </a:solidFill>
+              </a:rPr>
               <a:t> and Series, which are very useful for working with structured data.</a:t>
             </a:r>
           </a:p>
           <a:p>
             <a:r>
-              <a:rPr lang="en-US" b="1" dirty="0"/>
+              <a:rPr lang="en-US" b="1" dirty="0">
+                <a:solidFill>
+                  <a:schemeClr val="tx1"/>
+                </a:solidFill>
+              </a:rPr>
               <a:t>Matplotlib:</a:t>
             </a:r>
             <a:r>
-              <a:rPr lang="en-US" dirty="0"/>
+              <a:rPr lang="en-US" dirty="0">
+                <a:solidFill>
+                  <a:schemeClr val="tx1"/>
+                </a:solidFill>
+              </a:rPr>
               <a:t> It is a comprehensive library for creating static, animated, and interactive visualizations in Python. It provides a MATLAB-like interface for plotting.</a:t>
             </a:r>
           </a:p>
           <a:p>
             <a:r>
-              <a:rPr lang="en-US" b="1" dirty="0"/>
+              <a:rPr lang="en-US" b="1" dirty="0">
+                <a:solidFill>
+                  <a:schemeClr val="tx1"/>
+                </a:solidFill>
+              </a:rPr>
               <a:t>Seaborn:</a:t>
             </a:r>
             <a:r>
-              <a:rPr lang="en-US" dirty="0"/>
+              <a:rPr lang="en-US" dirty="0">
+                <a:solidFill>
+                  <a:schemeClr val="tx1"/>
+                </a:solidFill>
+              </a:rPr>
               <a:t> It is a statistical data visualization library based on Matplotlib. It provides a high-level interface for drawing attractive and informative statistical graphics.</a:t>
             </a:r>
           </a:p>
@@ -13744,8 +13534,8 @@
 </p:sld>
 </file>
 
-<file path=ppt/slides/slide15.xml><?xml version="1.0" encoding="utf-8"?>
-<p:sld xmlns:a="http://schemas.openxmlformats.org/drawingml/2006/main" xmlns:r="http://schemas.openxmlformats.org/officeDocument/2006/relationships" xmlns:p="http://schemas.openxmlformats.org/presentationml/2006/main">
+<file path=ppt/slides/slide14.xml><?xml version="1.0" encoding="utf-8"?>
+<p:sld xmlns:a="http://schemas.openxmlformats.org/drawingml/2006/main" xmlns:r="http://schemas.openxmlformats.org/officeDocument/2006/relationships" xmlns:p="http://schemas.openxmlformats.org/presentationml/2006/main" showMasterSp="0">
   <p:cSld>
     <p:spTree>
       <p:nvGrpSpPr>
@@ -13967,8 +13757,8 @@
 </p:sld>
 </file>
 
-<file path=ppt/slides/slide16.xml><?xml version="1.0" encoding="utf-8"?>
-<p:sld xmlns:a="http://schemas.openxmlformats.org/drawingml/2006/main" xmlns:r="http://schemas.openxmlformats.org/officeDocument/2006/relationships" xmlns:p="http://schemas.openxmlformats.org/presentationml/2006/main">
+<file path=ppt/slides/slide15.xml><?xml version="1.0" encoding="utf-8"?>
+<p:sld xmlns:a="http://schemas.openxmlformats.org/drawingml/2006/main" xmlns:r="http://schemas.openxmlformats.org/officeDocument/2006/relationships" xmlns:p="http://schemas.openxmlformats.org/presentationml/2006/main" showMasterSp="0">
   <p:cSld>
     <p:spTree>
       <p:nvGrpSpPr>
@@ -14041,7 +13831,7 @@
         </p:blipFill>
         <p:spPr>
           <a:xfrm>
-            <a:off x="996799" y="639763"/>
+            <a:off x="996799" y="1586171"/>
             <a:ext cx="3888089" cy="3685657"/>
           </a:xfrm>
         </p:spPr>
@@ -14115,8 +13905,8 @@
 </p:sld>
 </file>
 
-<file path=ppt/slides/slide17.xml><?xml version="1.0" encoding="utf-8"?>
-<p:sld xmlns:a="http://schemas.openxmlformats.org/drawingml/2006/main" xmlns:r="http://schemas.openxmlformats.org/officeDocument/2006/relationships" xmlns:p="http://schemas.openxmlformats.org/presentationml/2006/main">
+<file path=ppt/slides/slide16.xml><?xml version="1.0" encoding="utf-8"?>
+<p:sld xmlns:a="http://schemas.openxmlformats.org/drawingml/2006/main" xmlns:r="http://schemas.openxmlformats.org/officeDocument/2006/relationships" xmlns:p="http://schemas.openxmlformats.org/presentationml/2006/main" showMasterSp="0">
   <p:cSld>
     <p:spTree>
       <p:nvGrpSpPr>
@@ -14154,171 +13944,18 @@
           <a:lstStyle/>
           <a:p>
             <a:r>
-              <a:rPr lang="en-US" dirty="0"/>
-              <a:t>Results</a:t>
-            </a:r>
-            <a:endParaRPr lang="en-IN" dirty="0"/>
-          </a:p>
-        </p:txBody>
-      </p:sp>
-    </p:spTree>
-    <p:extLst>
-      <p:ext uri="{BB962C8B-B14F-4D97-AF65-F5344CB8AC3E}">
-        <p14:creationId xmlns:p14="http://schemas.microsoft.com/office/powerpoint/2010/main" val="260499503"/>
-      </p:ext>
-    </p:extLst>
-  </p:cSld>
-  <p:clrMapOvr>
-    <a:masterClrMapping/>
-  </p:clrMapOvr>
-</p:sld>
-</file>
-
-<file path=ppt/slides/slide18.xml><?xml version="1.0" encoding="utf-8"?>
-<p:sld xmlns:a="http://schemas.openxmlformats.org/drawingml/2006/main" xmlns:r="http://schemas.openxmlformats.org/officeDocument/2006/relationships" xmlns:p="http://schemas.openxmlformats.org/presentationml/2006/main">
-  <p:cSld>
-    <p:spTree>
-      <p:nvGrpSpPr>
-        <p:cNvPr id="1" name=""/>
-        <p:cNvGrpSpPr/>
-        <p:nvPr/>
-      </p:nvGrpSpPr>
-      <p:grpSpPr>
-        <a:xfrm>
-          <a:off x="0" y="0"/>
-          <a:ext cx="0" cy="0"/>
-          <a:chOff x="0" y="0"/>
-          <a:chExt cx="0" cy="0"/>
-        </a:xfrm>
-      </p:grpSpPr>
-      <p:sp>
-        <p:nvSpPr>
-          <p:cNvPr id="4" name="Title 3">
-            <a:extLst>
-              <a:ext uri="{FF2B5EF4-FFF2-40B4-BE49-F238E27FC236}">
-                <a16:creationId xmlns:a16="http://schemas.microsoft.com/office/drawing/2014/main" id="{737A1AF8-121F-6847-CA9E-AA4A3E3B1E80}"/>
-              </a:ext>
-            </a:extLst>
-          </p:cNvPr>
-          <p:cNvSpPr>
-            <a:spLocks noGrp="1"/>
-          </p:cNvSpPr>
-          <p:nvPr>
-            <p:ph type="title"/>
-          </p:nvPr>
-        </p:nvSpPr>
-        <p:spPr/>
-        <p:txBody>
-          <a:bodyPr/>
-          <a:lstStyle/>
-          <a:p>
-            <a:r>
-              <a:rPr lang="en-US" dirty="0"/>
-              <a:t>AUC and ROC Curves</a:t>
-            </a:r>
-            <a:endParaRPr lang="en-IN" dirty="0"/>
-          </a:p>
-        </p:txBody>
-      </p:sp>
-      <p:pic>
-        <p:nvPicPr>
-          <p:cNvPr id="9" name="Content Placeholder 8">
-            <a:extLst>
-              <a:ext uri="{FF2B5EF4-FFF2-40B4-BE49-F238E27FC236}">
-                <a16:creationId xmlns:a16="http://schemas.microsoft.com/office/drawing/2014/main" id="{11ABA22A-D723-F1F6-5153-80ED00638600}"/>
-              </a:ext>
-            </a:extLst>
-          </p:cNvPr>
-          <p:cNvPicPr>
-            <a:picLocks noGrp="1" noChangeAspect="1"/>
-          </p:cNvPicPr>
-          <p:nvPr>
-            <p:ph idx="1"/>
-          </p:nvPr>
-        </p:nvPicPr>
-        <p:blipFill>
-          <a:blip r:embed="rId2" cstate="print">
-            <a:extLst>
-              <a:ext uri="{28A0092B-C50C-407E-A947-70E740481C1C}">
-                <a14:useLocalDpi xmlns:a14="http://schemas.microsoft.com/office/drawing/2010/main" val="0"/>
-              </a:ext>
-            </a:extLst>
-          </a:blip>
-          <a:srcRect/>
-          <a:stretch>
-            <a:fillRect/>
-          </a:stretch>
-        </p:blipFill>
-        <p:spPr bwMode="auto">
-          <a:xfrm>
-            <a:off x="1167492" y="2121381"/>
-            <a:ext cx="10164413" cy="3262565"/>
-          </a:xfrm>
-          <a:prstGeom prst="rect">
-            <a:avLst/>
-          </a:prstGeom>
-          <a:noFill/>
-          <a:ln>
-            <a:noFill/>
-          </a:ln>
-        </p:spPr>
-      </p:pic>
-    </p:spTree>
-    <p:extLst>
-      <p:ext uri="{BB962C8B-B14F-4D97-AF65-F5344CB8AC3E}">
-        <p14:creationId xmlns:p14="http://schemas.microsoft.com/office/powerpoint/2010/main" val="2790561358"/>
-      </p:ext>
-    </p:extLst>
-  </p:cSld>
-  <p:clrMapOvr>
-    <a:masterClrMapping/>
-  </p:clrMapOvr>
-</p:sld>
-</file>
-
-<file path=ppt/slides/slide19.xml><?xml version="1.0" encoding="utf-8"?>
-<p:sld xmlns:a="http://schemas.openxmlformats.org/drawingml/2006/main" xmlns:r="http://schemas.openxmlformats.org/officeDocument/2006/relationships" xmlns:p="http://schemas.openxmlformats.org/presentationml/2006/main">
-  <p:cSld>
-    <p:spTree>
-      <p:nvGrpSpPr>
-        <p:cNvPr id="1" name=""/>
-        <p:cNvGrpSpPr/>
-        <p:nvPr/>
-      </p:nvGrpSpPr>
-      <p:grpSpPr>
-        <a:xfrm>
-          <a:off x="0" y="0"/>
-          <a:ext cx="0" cy="0"/>
-          <a:chOff x="0" y="0"/>
-          <a:chExt cx="0" cy="0"/>
-        </a:xfrm>
-      </p:grpSpPr>
-      <p:sp>
-        <p:nvSpPr>
-          <p:cNvPr id="2" name="Title 1">
-            <a:extLst>
-              <a:ext uri="{FF2B5EF4-FFF2-40B4-BE49-F238E27FC236}">
-                <a16:creationId xmlns:a16="http://schemas.microsoft.com/office/drawing/2014/main" id="{0B45AB1D-1052-C6ED-8936-AC7192791323}"/>
-              </a:ext>
-            </a:extLst>
-          </p:cNvPr>
-          <p:cNvSpPr>
-            <a:spLocks noGrp="1"/>
-          </p:cNvSpPr>
-          <p:nvPr>
-            <p:ph type="ctrTitle"/>
-          </p:nvPr>
-        </p:nvSpPr>
-        <p:spPr/>
-        <p:txBody>
-          <a:bodyPr/>
-          <a:lstStyle/>
-          <a:p>
-            <a:r>
-              <a:rPr lang="en-US" dirty="0"/>
-              <a:t>Application UI</a:t>
-            </a:r>
-            <a:endParaRPr lang="en-IN" dirty="0"/>
+              <a:rPr lang="en-US" dirty="0">
+                <a:solidFill>
+                  <a:schemeClr val="tx1"/>
+                </a:solidFill>
+              </a:rPr>
+              <a:t>Implementation</a:t>
+            </a:r>
+            <a:endParaRPr lang="en-IN" dirty="0">
+              <a:solidFill>
+                <a:schemeClr val="tx1"/>
+              </a:solidFill>
+            </a:endParaRPr>
           </a:p>
         </p:txBody>
       </p:sp>
@@ -14335,196 +13972,8 @@
 </p:sld>
 </file>
 
-<file path=ppt/slides/slide2.xml><?xml version="1.0" encoding="utf-8"?>
-<p:sld xmlns:a="http://schemas.openxmlformats.org/drawingml/2006/main" xmlns:r="http://schemas.openxmlformats.org/officeDocument/2006/relationships" xmlns:p="http://schemas.openxmlformats.org/presentationml/2006/main">
-  <p:cSld>
-    <p:spTree>
-      <p:nvGrpSpPr>
-        <p:cNvPr id="1" name=""/>
-        <p:cNvGrpSpPr/>
-        <p:nvPr/>
-      </p:nvGrpSpPr>
-      <p:grpSpPr>
-        <a:xfrm>
-          <a:off x="0" y="0"/>
-          <a:ext cx="0" cy="0"/>
-          <a:chOff x="0" y="0"/>
-          <a:chExt cx="0" cy="0"/>
-        </a:xfrm>
-      </p:grpSpPr>
-      <p:sp>
-        <p:nvSpPr>
-          <p:cNvPr id="2" name="Title 1">
-            <a:extLst>
-              <a:ext uri="{FF2B5EF4-FFF2-40B4-BE49-F238E27FC236}">
-                <a16:creationId xmlns:a16="http://schemas.microsoft.com/office/drawing/2014/main" id="{97A718E2-79C5-6414-B9AF-CE23761B9035}"/>
-              </a:ext>
-            </a:extLst>
-          </p:cNvPr>
-          <p:cNvSpPr>
-            <a:spLocks noGrp="1"/>
-          </p:cNvSpPr>
-          <p:nvPr>
-            <p:ph type="title"/>
-          </p:nvPr>
-        </p:nvSpPr>
-        <p:spPr/>
-        <p:txBody>
-          <a:bodyPr/>
-          <a:lstStyle/>
-          <a:p>
-            <a:r>
-              <a:rPr lang="en-US" dirty="0"/>
-              <a:t>Our Team</a:t>
-            </a:r>
-            <a:endParaRPr lang="en-IN" dirty="0"/>
-          </a:p>
-        </p:txBody>
-      </p:sp>
-      <p:sp>
-        <p:nvSpPr>
-          <p:cNvPr id="3" name="Content Placeholder 2">
-            <a:extLst>
-              <a:ext uri="{FF2B5EF4-FFF2-40B4-BE49-F238E27FC236}">
-                <a16:creationId xmlns:a16="http://schemas.microsoft.com/office/drawing/2014/main" id="{A30D2E94-A355-7861-43DD-4F1D6C4C0641}"/>
-              </a:ext>
-            </a:extLst>
-          </p:cNvPr>
-          <p:cNvSpPr>
-            <a:spLocks noGrp="1"/>
-          </p:cNvSpPr>
-          <p:nvPr>
-            <p:ph idx="12"/>
-          </p:nvPr>
-        </p:nvSpPr>
-        <p:spPr/>
-        <p:txBody>
-          <a:bodyPr/>
-          <a:lstStyle/>
-          <a:p>
-            <a:pPr marL="0" indent="0">
-              <a:buNone/>
-            </a:pPr>
-            <a:r>
-              <a:rPr lang="en-US" dirty="0"/>
-              <a:t>Under the Guidance of:</a:t>
-            </a:r>
-          </a:p>
-          <a:p>
-            <a:pPr marL="0" indent="0">
-              <a:buNone/>
-            </a:pPr>
-            <a:r>
-              <a:rPr lang="en-US" sz="2400" b="1" dirty="0"/>
-              <a:t>P. Chaitanya, M.Tech</a:t>
-            </a:r>
-          </a:p>
-          <a:p>
-            <a:pPr marL="0" indent="0">
-              <a:buNone/>
-            </a:pPr>
-            <a:r>
-              <a:rPr lang="en-US" dirty="0"/>
-              <a:t>Assistant Professor, CSE</a:t>
-            </a:r>
-          </a:p>
-        </p:txBody>
-      </p:sp>
-      <p:sp>
-        <p:nvSpPr>
-          <p:cNvPr id="4" name="Content Placeholder 3">
-            <a:extLst>
-              <a:ext uri="{FF2B5EF4-FFF2-40B4-BE49-F238E27FC236}">
-                <a16:creationId xmlns:a16="http://schemas.microsoft.com/office/drawing/2014/main" id="{D4438ACD-5361-F6B3-52FF-F88944C46A48}"/>
-              </a:ext>
-            </a:extLst>
-          </p:cNvPr>
-          <p:cNvSpPr>
-            <a:spLocks noGrp="1"/>
-          </p:cNvSpPr>
-          <p:nvPr>
-            <p:ph idx="11"/>
-          </p:nvPr>
-        </p:nvSpPr>
-        <p:spPr/>
-        <p:txBody>
-          <a:bodyPr/>
-          <a:lstStyle/>
-          <a:p>
-            <a:r>
-              <a:rPr lang="en-IN" b="1" dirty="0"/>
-              <a:t>Team Members</a:t>
-            </a:r>
-          </a:p>
-          <a:p>
-            <a:r>
-              <a:rPr lang="en-IN" dirty="0"/>
-              <a:t>P. </a:t>
-            </a:r>
-            <a:r>
-              <a:rPr lang="en-IN" dirty="0" err="1"/>
-              <a:t>Jathin</a:t>
-            </a:r>
-            <a:r>
-              <a:rPr lang="en-IN" dirty="0"/>
-              <a:t> (20B81A05D0)</a:t>
-            </a:r>
-          </a:p>
-          <a:p>
-            <a:r>
-              <a:rPr lang="en-IN" dirty="0"/>
-              <a:t>P. Sai Harish (20B81A05D1)</a:t>
-            </a:r>
-          </a:p>
-          <a:p>
-            <a:r>
-              <a:rPr lang="en-IN" dirty="0"/>
-              <a:t>P. Anjaneyulu (20B81A05D3)</a:t>
-            </a:r>
-          </a:p>
-          <a:p>
-            <a:r>
-              <a:rPr lang="en-IN" dirty="0"/>
-              <a:t>P.G.D.L. </a:t>
-            </a:r>
-            <a:r>
-              <a:rPr lang="en-IN" dirty="0" err="1"/>
-              <a:t>Tejaswini</a:t>
-            </a:r>
-            <a:r>
-              <a:rPr lang="en-IN" dirty="0"/>
-              <a:t> (20B81A05D4)</a:t>
-            </a:r>
-          </a:p>
-          <a:p>
-            <a:r>
-              <a:rPr lang="en-IN" dirty="0"/>
-              <a:t>P. Gopi Kiran (20B81A05D5)</a:t>
-            </a:r>
-          </a:p>
-          <a:p>
-            <a:endParaRPr lang="en-IN" dirty="0"/>
-          </a:p>
-          <a:p>
-            <a:endParaRPr lang="en-IN" dirty="0"/>
-          </a:p>
-        </p:txBody>
-      </p:sp>
-    </p:spTree>
-    <p:extLst>
-      <p:ext uri="{BB962C8B-B14F-4D97-AF65-F5344CB8AC3E}">
-        <p14:creationId xmlns:p14="http://schemas.microsoft.com/office/powerpoint/2010/main" val="3426627015"/>
-      </p:ext>
-    </p:extLst>
-  </p:cSld>
-  <p:clrMapOvr>
-    <a:masterClrMapping/>
-  </p:clrMapOvr>
-</p:sld>
-</file>
-
-<file path=ppt/slides/slide20.xml><?xml version="1.0" encoding="utf-8"?>
-<p:sld xmlns:a="http://schemas.openxmlformats.org/drawingml/2006/main" xmlns:r="http://schemas.openxmlformats.org/officeDocument/2006/relationships" xmlns:p="http://schemas.openxmlformats.org/presentationml/2006/main">
+<file path=ppt/slides/slide17.xml><?xml version="1.0" encoding="utf-8"?>
+<p:sld xmlns:a="http://schemas.openxmlformats.org/drawingml/2006/main" xmlns:r="http://schemas.openxmlformats.org/officeDocument/2006/relationships" xmlns:p="http://schemas.openxmlformats.org/presentationml/2006/main" showMasterSp="0">
   <p:cSld>
     <p:spTree>
       <p:nvGrpSpPr>
@@ -14555,22 +14004,14 @@
           <p:nvPr/>
         </p:nvPicPr>
         <p:blipFill>
-          <a:blip r:embed="rId2">
-            <a:extLst>
-              <a:ext uri="{28A0092B-C50C-407E-A947-70E740481C1C}">
-                <a14:useLocalDpi xmlns:a14="http://schemas.microsoft.com/office/drawing/2010/main" val="0"/>
-              </a:ext>
-            </a:extLst>
-          </a:blip>
+          <a:blip r:embed="rId2"/>
           <a:srcRect/>
-          <a:stretch>
-            <a:fillRect/>
-          </a:stretch>
+          <a:stretch/>
         </p:blipFill>
         <p:spPr bwMode="auto">
           <a:xfrm>
-            <a:off x="4638511" y="655933"/>
-            <a:ext cx="6488402" cy="5546133"/>
+            <a:off x="3543647" y="799794"/>
+            <a:ext cx="6155061" cy="5258412"/>
           </a:xfrm>
           <a:prstGeom prst="rect">
             <a:avLst/>
@@ -14594,8 +14035,8 @@
 </p:sld>
 </file>
 
-<file path=ppt/slides/slide21.xml><?xml version="1.0" encoding="utf-8"?>
-<p:sld xmlns:a="http://schemas.openxmlformats.org/drawingml/2006/main" xmlns:r="http://schemas.openxmlformats.org/officeDocument/2006/relationships" xmlns:p="http://schemas.openxmlformats.org/presentationml/2006/main">
+<file path=ppt/slides/slide18.xml><?xml version="1.0" encoding="utf-8"?>
+<p:sld xmlns:a="http://schemas.openxmlformats.org/drawingml/2006/main" xmlns:r="http://schemas.openxmlformats.org/officeDocument/2006/relationships" xmlns:p="http://schemas.openxmlformats.org/presentationml/2006/main" showMasterSp="0">
   <p:cSld>
     <p:spTree>
       <p:nvGrpSpPr>
@@ -14640,7 +14081,7 @@
         </p:blipFill>
         <p:spPr bwMode="auto">
           <a:xfrm>
-            <a:off x="2992276" y="547819"/>
+            <a:off x="1696876" y="810286"/>
             <a:ext cx="3433253" cy="2513879"/>
           </a:xfrm>
           <a:prstGeom prst="rect">
@@ -14674,7 +14115,7 @@
         </p:blipFill>
         <p:spPr>
           <a:xfrm>
-            <a:off x="8301520" y="3620614"/>
+            <a:off x="7243187" y="3248081"/>
             <a:ext cx="3136472" cy="2643988"/>
           </a:xfrm>
           <a:prstGeom prst="rect">
@@ -14695,17 +14136,374 @@
 </p:sld>
 </file>
 
-<file path=ppt/slides/slide22.xml><?xml version="1.0" encoding="utf-8"?>
-<p:sld xmlns:a="http://schemas.openxmlformats.org/drawingml/2006/main" xmlns:r="http://schemas.openxmlformats.org/officeDocument/2006/relationships" xmlns:p="http://schemas.openxmlformats.org/presentationml/2006/main">
+<file path=ppt/slides/slide19.xml><?xml version="1.0" encoding="utf-8"?>
+<p:sld xmlns:a="http://schemas.openxmlformats.org/drawingml/2006/main" xmlns:r="http://schemas.openxmlformats.org/officeDocument/2006/relationships" xmlns:p="http://schemas.openxmlformats.org/presentationml/2006/main" showMasterSp="0">
   <p:cSld>
-    <p:bg>
-      <p:bgPr>
-        <a:solidFill>
-          <a:schemeClr val="bg1"/>
-        </a:solidFill>
-        <a:effectLst/>
-      </p:bgPr>
-    </p:bg>
+    <p:spTree>
+      <p:nvGrpSpPr>
+        <p:cNvPr id="1" name=""/>
+        <p:cNvGrpSpPr/>
+        <p:nvPr/>
+      </p:nvGrpSpPr>
+      <p:grpSpPr>
+        <a:xfrm>
+          <a:off x="0" y="0"/>
+          <a:ext cx="0" cy="0"/>
+          <a:chOff x="0" y="0"/>
+          <a:chExt cx="0" cy="0"/>
+        </a:xfrm>
+      </p:grpSpPr>
+      <p:sp>
+        <p:nvSpPr>
+          <p:cNvPr id="2" name="Title 1">
+            <a:extLst>
+              <a:ext uri="{FF2B5EF4-FFF2-40B4-BE49-F238E27FC236}">
+                <a16:creationId xmlns:a16="http://schemas.microsoft.com/office/drawing/2014/main" id="{A7239ECB-1743-84A4-8C60-6F0B2BAF146D}"/>
+              </a:ext>
+            </a:extLst>
+          </p:cNvPr>
+          <p:cNvSpPr>
+            <a:spLocks noGrp="1"/>
+          </p:cNvSpPr>
+          <p:nvPr>
+            <p:ph type="title"/>
+          </p:nvPr>
+        </p:nvSpPr>
+        <p:spPr/>
+        <p:txBody>
+          <a:bodyPr/>
+          <a:lstStyle/>
+          <a:p>
+            <a:r>
+              <a:rPr lang="en-US" dirty="0"/>
+              <a:t>Results</a:t>
+            </a:r>
+            <a:endParaRPr lang="en-IN" dirty="0"/>
+          </a:p>
+        </p:txBody>
+      </p:sp>
+      <p:sp>
+        <p:nvSpPr>
+          <p:cNvPr id="3" name="Content Placeholder 2">
+            <a:extLst>
+              <a:ext uri="{FF2B5EF4-FFF2-40B4-BE49-F238E27FC236}">
+                <a16:creationId xmlns:a16="http://schemas.microsoft.com/office/drawing/2014/main" id="{37CF90A6-9DE9-9CBE-03C7-DB60E59E6F6E}"/>
+              </a:ext>
+            </a:extLst>
+          </p:cNvPr>
+          <p:cNvSpPr>
+            <a:spLocks noGrp="1"/>
+          </p:cNvSpPr>
+          <p:nvPr>
+            <p:ph idx="1"/>
+          </p:nvPr>
+        </p:nvSpPr>
+        <p:spPr/>
+        <p:txBody>
+          <a:bodyPr/>
+          <a:lstStyle/>
+          <a:p>
+            <a:r>
+              <a:rPr lang="en-IN" dirty="0"/>
+              <a:t>Previous Model:</a:t>
+            </a:r>
+          </a:p>
+          <a:p>
+            <a:r>
+              <a:rPr lang="en-IN" dirty="0"/>
+              <a:t>• Algorithm: Logistic Regression</a:t>
+            </a:r>
+          </a:p>
+          <a:p>
+            <a:r>
+              <a:rPr lang="en-IN" dirty="0"/>
+              <a:t>• Accuracy: 70%</a:t>
+            </a:r>
+          </a:p>
+          <a:p>
+            <a:r>
+              <a:rPr lang="en-IN" dirty="0"/>
+              <a:t>Improved Model:</a:t>
+            </a:r>
+          </a:p>
+          <a:p>
+            <a:r>
+              <a:rPr lang="en-IN" dirty="0"/>
+              <a:t>• Algorithm: XGBoost with Exploratory Data Analysis (EDA)</a:t>
+            </a:r>
+          </a:p>
+          <a:p>
+            <a:r>
+              <a:rPr lang="en-IN" dirty="0"/>
+              <a:t>• Accuracy: 76%</a:t>
+            </a:r>
+          </a:p>
+        </p:txBody>
+      </p:sp>
+    </p:spTree>
+    <p:extLst>
+      <p:ext uri="{BB962C8B-B14F-4D97-AF65-F5344CB8AC3E}">
+        <p14:creationId xmlns:p14="http://schemas.microsoft.com/office/powerpoint/2010/main" val="2782116444"/>
+      </p:ext>
+    </p:extLst>
+  </p:cSld>
+  <p:clrMapOvr>
+    <a:masterClrMapping/>
+  </p:clrMapOvr>
+</p:sld>
+</file>
+
+<file path=ppt/slides/slide2.xml><?xml version="1.0" encoding="utf-8"?>
+<p:sld xmlns:a="http://schemas.openxmlformats.org/drawingml/2006/main" xmlns:r="http://schemas.openxmlformats.org/officeDocument/2006/relationships" xmlns:p="http://schemas.openxmlformats.org/presentationml/2006/main" showMasterSp="0">
+  <p:cSld>
+    <p:spTree>
+      <p:nvGrpSpPr>
+        <p:cNvPr id="1" name=""/>
+        <p:cNvGrpSpPr/>
+        <p:nvPr/>
+      </p:nvGrpSpPr>
+      <p:grpSpPr>
+        <a:xfrm>
+          <a:off x="0" y="0"/>
+          <a:ext cx="0" cy="0"/>
+          <a:chOff x="0" y="0"/>
+          <a:chExt cx="0" cy="0"/>
+        </a:xfrm>
+      </p:grpSpPr>
+      <p:sp>
+        <p:nvSpPr>
+          <p:cNvPr id="2" name="Title 1">
+            <a:extLst>
+              <a:ext uri="{FF2B5EF4-FFF2-40B4-BE49-F238E27FC236}">
+                <a16:creationId xmlns:a16="http://schemas.microsoft.com/office/drawing/2014/main" id="{97A718E2-79C5-6414-B9AF-CE23761B9035}"/>
+              </a:ext>
+            </a:extLst>
+          </p:cNvPr>
+          <p:cNvSpPr>
+            <a:spLocks noGrp="1"/>
+          </p:cNvSpPr>
+          <p:nvPr>
+            <p:ph type="title"/>
+          </p:nvPr>
+        </p:nvSpPr>
+        <p:spPr/>
+        <p:txBody>
+          <a:bodyPr/>
+          <a:lstStyle/>
+          <a:p>
+            <a:r>
+              <a:rPr lang="en-US" dirty="0"/>
+              <a:t>Our Team</a:t>
+            </a:r>
+            <a:endParaRPr lang="en-IN" dirty="0"/>
+          </a:p>
+        </p:txBody>
+      </p:sp>
+      <p:sp>
+        <p:nvSpPr>
+          <p:cNvPr id="3" name="Content Placeholder 2">
+            <a:extLst>
+              <a:ext uri="{FF2B5EF4-FFF2-40B4-BE49-F238E27FC236}">
+                <a16:creationId xmlns:a16="http://schemas.microsoft.com/office/drawing/2014/main" id="{A30D2E94-A355-7861-43DD-4F1D6C4C0641}"/>
+              </a:ext>
+            </a:extLst>
+          </p:cNvPr>
+          <p:cNvSpPr>
+            <a:spLocks noGrp="1"/>
+          </p:cNvSpPr>
+          <p:nvPr>
+            <p:ph idx="12"/>
+          </p:nvPr>
+        </p:nvSpPr>
+        <p:spPr/>
+        <p:txBody>
+          <a:bodyPr/>
+          <a:lstStyle/>
+          <a:p>
+            <a:pPr marL="0" indent="0">
+              <a:buNone/>
+            </a:pPr>
+            <a:r>
+              <a:rPr lang="en-US" dirty="0">
+                <a:solidFill>
+                  <a:schemeClr val="tx1"/>
+                </a:solidFill>
+              </a:rPr>
+              <a:t>Under the Guidance of:</a:t>
+            </a:r>
+          </a:p>
+          <a:p>
+            <a:pPr marL="0" indent="0">
+              <a:buNone/>
+            </a:pPr>
+            <a:r>
+              <a:rPr lang="en-US" sz="2400" b="1" dirty="0">
+                <a:solidFill>
+                  <a:schemeClr val="tx1"/>
+                </a:solidFill>
+              </a:rPr>
+              <a:t>P. Chaitanya, M.Tech</a:t>
+            </a:r>
+          </a:p>
+          <a:p>
+            <a:pPr marL="0" indent="0">
+              <a:buNone/>
+            </a:pPr>
+            <a:r>
+              <a:rPr lang="en-US" dirty="0">
+                <a:solidFill>
+                  <a:schemeClr val="tx1"/>
+                </a:solidFill>
+              </a:rPr>
+              <a:t>Assistant Professor, CSE</a:t>
+            </a:r>
+          </a:p>
+        </p:txBody>
+      </p:sp>
+      <p:sp>
+        <p:nvSpPr>
+          <p:cNvPr id="4" name="Content Placeholder 3">
+            <a:extLst>
+              <a:ext uri="{FF2B5EF4-FFF2-40B4-BE49-F238E27FC236}">
+                <a16:creationId xmlns:a16="http://schemas.microsoft.com/office/drawing/2014/main" id="{D4438ACD-5361-F6B3-52FF-F88944C46A48}"/>
+              </a:ext>
+            </a:extLst>
+          </p:cNvPr>
+          <p:cNvSpPr>
+            <a:spLocks noGrp="1"/>
+          </p:cNvSpPr>
+          <p:nvPr>
+            <p:ph idx="11"/>
+          </p:nvPr>
+        </p:nvSpPr>
+        <p:spPr/>
+        <p:txBody>
+          <a:bodyPr/>
+          <a:lstStyle/>
+          <a:p>
+            <a:r>
+              <a:rPr lang="en-IN" b="1" dirty="0">
+                <a:solidFill>
+                  <a:schemeClr val="tx1"/>
+                </a:solidFill>
+              </a:rPr>
+              <a:t>Team Members</a:t>
+            </a:r>
+          </a:p>
+          <a:p>
+            <a:r>
+              <a:rPr lang="en-IN" dirty="0">
+                <a:solidFill>
+                  <a:schemeClr val="tx1"/>
+                </a:solidFill>
+              </a:rPr>
+              <a:t>P. </a:t>
+            </a:r>
+            <a:r>
+              <a:rPr lang="en-IN" dirty="0" err="1">
+                <a:solidFill>
+                  <a:schemeClr val="tx1"/>
+                </a:solidFill>
+              </a:rPr>
+              <a:t>Jathin</a:t>
+            </a:r>
+            <a:r>
+              <a:rPr lang="en-IN" dirty="0">
+                <a:solidFill>
+                  <a:schemeClr val="tx1"/>
+                </a:solidFill>
+              </a:rPr>
+              <a:t> (20B81A05D0)</a:t>
+            </a:r>
+          </a:p>
+          <a:p>
+            <a:r>
+              <a:rPr lang="en-IN" dirty="0">
+                <a:solidFill>
+                  <a:schemeClr val="tx1"/>
+                </a:solidFill>
+              </a:rPr>
+              <a:t>P. Sai Harish (20B81A05D1)</a:t>
+            </a:r>
+          </a:p>
+          <a:p>
+            <a:r>
+              <a:rPr lang="en-IN" dirty="0">
+                <a:solidFill>
+                  <a:schemeClr val="tx1"/>
+                </a:solidFill>
+              </a:rPr>
+              <a:t>P. Anjaneyulu (20B81A05D3)</a:t>
+            </a:r>
+          </a:p>
+          <a:p>
+            <a:r>
+              <a:rPr lang="en-IN" dirty="0">
+                <a:solidFill>
+                  <a:schemeClr val="tx1"/>
+                </a:solidFill>
+              </a:rPr>
+              <a:t>P.G.D.L. </a:t>
+            </a:r>
+            <a:r>
+              <a:rPr lang="en-IN" dirty="0" err="1">
+                <a:solidFill>
+                  <a:schemeClr val="tx1"/>
+                </a:solidFill>
+              </a:rPr>
+              <a:t>Tejaswini</a:t>
+            </a:r>
+            <a:r>
+              <a:rPr lang="en-IN" dirty="0">
+                <a:solidFill>
+                  <a:schemeClr val="tx1"/>
+                </a:solidFill>
+              </a:rPr>
+              <a:t> (20B81A05D4)</a:t>
+            </a:r>
+          </a:p>
+          <a:p>
+            <a:r>
+              <a:rPr lang="en-IN" dirty="0">
+                <a:solidFill>
+                  <a:schemeClr val="tx1"/>
+                </a:solidFill>
+              </a:rPr>
+              <a:t>P. Gopi Kiran (20B81A05D5)</a:t>
+            </a:r>
+          </a:p>
+          <a:p>
+            <a:endParaRPr lang="en-IN" dirty="0">
+              <a:solidFill>
+                <a:schemeClr val="tx1"/>
+              </a:solidFill>
+            </a:endParaRPr>
+          </a:p>
+          <a:p>
+            <a:endParaRPr lang="en-IN" dirty="0">
+              <a:solidFill>
+                <a:schemeClr val="tx1"/>
+              </a:solidFill>
+            </a:endParaRPr>
+          </a:p>
+        </p:txBody>
+      </p:sp>
+    </p:spTree>
+    <p:extLst>
+      <p:ext uri="{BB962C8B-B14F-4D97-AF65-F5344CB8AC3E}">
+        <p14:creationId xmlns:p14="http://schemas.microsoft.com/office/powerpoint/2010/main" val="3426627015"/>
+      </p:ext>
+    </p:extLst>
+  </p:cSld>
+  <p:clrMapOvr>
+    <a:masterClrMapping/>
+  </p:clrMapOvr>
+</p:sld>
+</file>
+
+<file path=ppt/slides/slide20.xml><?xml version="1.0" encoding="utf-8"?>
+<p:sld xmlns:a="http://schemas.openxmlformats.org/drawingml/2006/main" xmlns:r="http://schemas.openxmlformats.org/officeDocument/2006/relationships" xmlns:p="http://schemas.openxmlformats.org/presentationml/2006/main" showMasterSp="0">
+  <p:cSld>
     <p:spTree>
       <p:nvGrpSpPr>
         <p:cNvPr id="1" name=""/>
@@ -14767,7 +14565,7 @@
 </file>
 
 <file path=ppt/slides/slide3.xml><?xml version="1.0" encoding="utf-8"?>
-<p:sld xmlns:a="http://schemas.openxmlformats.org/drawingml/2006/main" xmlns:r="http://schemas.openxmlformats.org/officeDocument/2006/relationships" xmlns:p="http://schemas.openxmlformats.org/presentationml/2006/main">
+<p:sld xmlns:a="http://schemas.openxmlformats.org/drawingml/2006/main" xmlns:r="http://schemas.openxmlformats.org/officeDocument/2006/relationships" xmlns:p="http://schemas.openxmlformats.org/presentationml/2006/main" showMasterSp="0">
   <p:cSld>
     <p:spTree>
       <p:nvGrpSpPr>
@@ -14844,48 +14642,80 @@
           </a:bodyPr>
           <a:lstStyle/>
           <a:p>
+            <a:pPr marL="457200" indent="-457200">
+              <a:buFont typeface="Arial" panose="020B0604020202020204" pitchFamily="34" charset="0"/>
+              <a:buChar char="•"/>
+            </a:pPr>
             <a:r>
               <a:rPr lang="en-US" dirty="0"/>
               <a:t>Abstract</a:t>
             </a:r>
           </a:p>
           <a:p>
+            <a:pPr marL="457200" indent="-457200">
+              <a:buFont typeface="Arial" panose="020B0604020202020204" pitchFamily="34" charset="0"/>
+              <a:buChar char="•"/>
+            </a:pPr>
             <a:r>
               <a:rPr lang="en-US" dirty="0"/>
               <a:t>Problem Statement</a:t>
             </a:r>
           </a:p>
           <a:p>
+            <a:pPr marL="457200" indent="-457200">
+              <a:buFont typeface="Arial" panose="020B0604020202020204" pitchFamily="34" charset="0"/>
+              <a:buChar char="•"/>
+            </a:pPr>
             <a:r>
               <a:rPr lang="en-US" dirty="0"/>
               <a:t>Existing Solution</a:t>
             </a:r>
           </a:p>
           <a:p>
+            <a:pPr marL="457200" indent="-457200">
+              <a:buFont typeface="Arial" panose="020B0604020202020204" pitchFamily="34" charset="0"/>
+              <a:buChar char="•"/>
+            </a:pPr>
             <a:r>
               <a:rPr lang="en-US" dirty="0"/>
               <a:t>Proposed System</a:t>
             </a:r>
           </a:p>
           <a:p>
+            <a:pPr marL="457200" indent="-457200">
+              <a:buFont typeface="Arial" panose="020B0604020202020204" pitchFamily="34" charset="0"/>
+              <a:buChar char="•"/>
+            </a:pPr>
             <a:r>
               <a:rPr lang="en-US" dirty="0"/>
               <a:t>System Architecture</a:t>
             </a:r>
           </a:p>
           <a:p>
+            <a:pPr marL="457200" indent="-457200">
+              <a:buFont typeface="Arial" panose="020B0604020202020204" pitchFamily="34" charset="0"/>
+              <a:buChar char="•"/>
+            </a:pPr>
             <a:r>
               <a:rPr lang="en-US" dirty="0"/>
               <a:t>Algorithms</a:t>
             </a:r>
           </a:p>
           <a:p>
+            <a:pPr marL="457200" indent="-457200">
+              <a:buFont typeface="Arial" panose="020B0604020202020204" pitchFamily="34" charset="0"/>
+              <a:buChar char="•"/>
+            </a:pPr>
             <a:r>
               <a:rPr lang="en-US" dirty="0"/>
               <a:t>Implementation</a:t>
             </a:r>
           </a:p>
           <a:p>
+            <a:pPr marL="457200" indent="-457200">
+              <a:buFont typeface="Arial" panose="020B0604020202020204" pitchFamily="34" charset="0"/>
+              <a:buChar char="•"/>
+            </a:pPr>
             <a:r>
               <a:rPr lang="en-US" dirty="0"/>
               <a:t>Results</a:t>
@@ -14907,139 +14737,7 @@
 </file>
 
 <file path=ppt/slides/slide4.xml><?xml version="1.0" encoding="utf-8"?>
-<p:sld xmlns:a="http://schemas.openxmlformats.org/drawingml/2006/main" xmlns:r="http://schemas.openxmlformats.org/officeDocument/2006/relationships" xmlns:p="http://schemas.openxmlformats.org/presentationml/2006/main">
-  <p:cSld>
-    <p:spTree>
-      <p:nvGrpSpPr>
-        <p:cNvPr id="1" name=""/>
-        <p:cNvGrpSpPr/>
-        <p:nvPr/>
-      </p:nvGrpSpPr>
-      <p:grpSpPr>
-        <a:xfrm>
-          <a:off x="0" y="0"/>
-          <a:ext cx="0" cy="0"/>
-          <a:chOff x="0" y="0"/>
-          <a:chExt cx="0" cy="0"/>
-        </a:xfrm>
-      </p:grpSpPr>
-      <p:sp>
-        <p:nvSpPr>
-          <p:cNvPr id="2" name="Title 1">
-            <a:extLst>
-              <a:ext uri="{FF2B5EF4-FFF2-40B4-BE49-F238E27FC236}">
-                <a16:creationId xmlns:a16="http://schemas.microsoft.com/office/drawing/2014/main" id="{E3CEE190-899A-46D2-989D-C4BC6A46F946}"/>
-              </a:ext>
-            </a:extLst>
-          </p:cNvPr>
-          <p:cNvSpPr>
-            <a:spLocks noGrp="1"/>
-          </p:cNvSpPr>
-          <p:nvPr>
-            <p:ph type="title"/>
-          </p:nvPr>
-        </p:nvSpPr>
-        <p:spPr>
-          <a:xfrm>
-            <a:off x="5943600" y="457200"/>
-            <a:ext cx="5120640" cy="3200400"/>
-          </a:xfrm>
-        </p:spPr>
-        <p:txBody>
-          <a:bodyPr/>
-          <a:lstStyle/>
-          <a:p>
-            <a:r>
-              <a:rPr lang="en-US" dirty="0"/>
-              <a:t>Let’s Dive in</a:t>
-            </a:r>
-          </a:p>
-        </p:txBody>
-      </p:sp>
-      <p:sp>
-        <p:nvSpPr>
-          <p:cNvPr id="3" name="Subtitle 2">
-            <a:extLst>
-              <a:ext uri="{FF2B5EF4-FFF2-40B4-BE49-F238E27FC236}">
-                <a16:creationId xmlns:a16="http://schemas.microsoft.com/office/drawing/2014/main" id="{26BC9DE8-A5CC-4BE1-0DE5-CB15D01A7919}"/>
-              </a:ext>
-            </a:extLst>
-          </p:cNvPr>
-          <p:cNvSpPr>
-            <a:spLocks noGrp="1"/>
-          </p:cNvSpPr>
-          <p:nvPr>
-            <p:ph type="subTitle" idx="1"/>
-          </p:nvPr>
-        </p:nvSpPr>
-        <p:spPr>
-          <a:xfrm>
-            <a:off x="5943598" y="3657600"/>
-            <a:ext cx="5120640" cy="1828800"/>
-          </a:xfrm>
-        </p:spPr>
-        <p:txBody>
-          <a:bodyPr/>
-          <a:lstStyle/>
-          <a:p>
-            <a:r>
-              <a:rPr lang="en-US" dirty="0"/>
-              <a:t>`</a:t>
-            </a:r>
-          </a:p>
-        </p:txBody>
-      </p:sp>
-      <p:pic>
-        <p:nvPicPr>
-          <p:cNvPr id="17" name="Picture Placeholder 16" descr="Two people walking down a sidewalk">
-            <a:extLst>
-              <a:ext uri="{FF2B5EF4-FFF2-40B4-BE49-F238E27FC236}">
-                <a16:creationId xmlns:a16="http://schemas.microsoft.com/office/drawing/2014/main" id="{2ECBBDA4-D2C1-0F46-BA36-5967266F87AD}"/>
-              </a:ext>
-            </a:extLst>
-          </p:cNvPr>
-          <p:cNvPicPr>
-            <a:picLocks noGrp="1" noChangeAspect="1"/>
-          </p:cNvPicPr>
-          <p:nvPr>
-            <p:ph type="pic" sz="quarter" idx="10"/>
-          </p:nvPr>
-        </p:nvPicPr>
-        <p:blipFill rotWithShape="1">
-          <a:blip r:embed="rId3">
-            <a:duotone>
-              <a:schemeClr val="accent4">
-                <a:shade val="45000"/>
-                <a:satMod val="135000"/>
-              </a:schemeClr>
-              <a:prstClr val="white"/>
-            </a:duotone>
-          </a:blip>
-          <a:srcRect l="16819" r="16819"/>
-          <a:stretch/>
-        </p:blipFill>
-        <p:spPr>
-          <a:xfrm>
-            <a:off x="904238" y="1157224"/>
-            <a:ext cx="4500562" cy="4521200"/>
-          </a:xfrm>
-        </p:spPr>
-      </p:pic>
-    </p:spTree>
-    <p:extLst>
-      <p:ext uri="{BB962C8B-B14F-4D97-AF65-F5344CB8AC3E}">
-        <p14:creationId xmlns:p14="http://schemas.microsoft.com/office/powerpoint/2010/main" val="779750606"/>
-      </p:ext>
-    </p:extLst>
-  </p:cSld>
-  <p:clrMapOvr>
-    <a:masterClrMapping/>
-  </p:clrMapOvr>
-</p:sld>
-</file>
-
-<file path=ppt/slides/slide5.xml><?xml version="1.0" encoding="utf-8"?>
-<p:sld xmlns:a="http://schemas.openxmlformats.org/drawingml/2006/main" xmlns:r="http://schemas.openxmlformats.org/officeDocument/2006/relationships" xmlns:p="http://schemas.openxmlformats.org/presentationml/2006/main">
+<p:sld xmlns:a="http://schemas.openxmlformats.org/drawingml/2006/main" xmlns:r="http://schemas.openxmlformats.org/officeDocument/2006/relationships" xmlns:p="http://schemas.openxmlformats.org/presentationml/2006/main" showMasterSp="0">
   <p:cSld>
     <p:spTree>
       <p:nvGrpSpPr>
@@ -15112,67 +14810,47 @@
         </p:spPr>
         <p:txBody>
           <a:bodyPr>
-            <a:normAutofit fontScale="85000" lnSpcReduction="10000"/>
+            <a:normAutofit fontScale="92500" lnSpcReduction="10000"/>
           </a:bodyPr>
           <a:lstStyle/>
           <a:p>
             <a:r>
-              <a:rPr lang="en-US" dirty="0"/>
-              <a:t>This research addresses the growing concern of liver cirrhosis in North America, predominantly</a:t>
-            </a:r>
-          </a:p>
-          <a:p>
-            <a:r>
-              <a:rPr lang="en-US" dirty="0"/>
-              <a:t>linked to alcohol consumption.</a:t>
-            </a:r>
-          </a:p>
-          <a:p>
-            <a:r>
-              <a:rPr lang="en-US" dirty="0"/>
-              <a:t>Leveraging advanced machine learning techniques, we aim to develop a comprehensive predictive</a:t>
-            </a:r>
-          </a:p>
-          <a:p>
-            <a:r>
-              <a:rPr lang="en-US" dirty="0"/>
-              <a:t>model by integrating lifestyle factors (such as alcohol consumption, dietary habits, and exercise)</a:t>
-            </a:r>
-          </a:p>
-          <a:p>
-            <a:r>
-              <a:rPr lang="en-US" dirty="0"/>
-              <a:t>and health indicators (including viral hepatitis status and liver function tests).</a:t>
-            </a:r>
-          </a:p>
-          <a:p>
-            <a:r>
-              <a:rPr lang="en-US" dirty="0"/>
-              <a:t>The model seeks to accurately assess an individual's risk of developing liver cirrhosis, facilitating</a:t>
-            </a:r>
-          </a:p>
-          <a:p>
-            <a:r>
-              <a:rPr lang="en-US" dirty="0"/>
-              <a:t>early diagnosis and targeted interventions.</a:t>
-            </a:r>
-          </a:p>
-          <a:p>
-            <a:r>
-              <a:rPr lang="en-US" dirty="0"/>
-              <a:t>The outcomes of this study hold the potential to significantly impact public health by providing</a:t>
-            </a:r>
-          </a:p>
-          <a:p>
-            <a:r>
-              <a:rPr lang="en-US" dirty="0"/>
-              <a:t>healthcare professionals with an effective tool for proactive cirrhosis risk assessment, ultimately</a:t>
-            </a:r>
-          </a:p>
-          <a:p>
-            <a:r>
-              <a:rPr lang="en-US" dirty="0"/>
-              <a:t>leading to improved patient outcomes and informed preventive measures</a:t>
+              <a:rPr lang="en-US" dirty="0">
+                <a:solidFill>
+                  <a:schemeClr val="tx1"/>
+                </a:solidFill>
+              </a:rPr>
+              <a:t>This research addresses the growing concern of liver cirrhosis in North America, predominantly linked to alcohol consumption.</a:t>
+            </a:r>
+          </a:p>
+          <a:p>
+            <a:r>
+              <a:rPr lang="en-US" dirty="0">
+                <a:solidFill>
+                  <a:schemeClr val="tx1"/>
+                </a:solidFill>
+              </a:rPr>
+              <a:t>Leveraging advanced machine learning techniques, we aim to develop a comprehensive predictive model by integrating lifestyle factors (such as alcohol consumption, dietary habits, and exercise) and health indicators (including viral hepatitis status and liver function tests).</a:t>
+            </a:r>
+          </a:p>
+          <a:p>
+            <a:r>
+              <a:rPr lang="en-US" dirty="0">
+                <a:solidFill>
+                  <a:schemeClr val="tx1"/>
+                </a:solidFill>
+              </a:rPr>
+              <a:t>The model seeks to accurately assess an individual's risk of developing liver cirrhosis, facilitating early diagnosis and targeted interventions.</a:t>
+            </a:r>
+          </a:p>
+          <a:p>
+            <a:r>
+              <a:rPr lang="en-US" dirty="0">
+                <a:solidFill>
+                  <a:schemeClr val="tx1"/>
+                </a:solidFill>
+              </a:rPr>
+              <a:t>The outcomes of this study hold the potential to significantly impact public health by providing healthcare professionals with an effective tool for proactive cirrhosis risk assessment, ultimately leading to improved patient outcomes and informed preventive measures</a:t>
             </a:r>
           </a:p>
         </p:txBody>
@@ -15190,8 +14868,8 @@
 </p:sld>
 </file>
 
-<file path=ppt/slides/slide6.xml><?xml version="1.0" encoding="utf-8"?>
-<p:sld xmlns:a="http://schemas.openxmlformats.org/drawingml/2006/main" xmlns:r="http://schemas.openxmlformats.org/officeDocument/2006/relationships" xmlns:p="http://schemas.openxmlformats.org/presentationml/2006/main">
+<file path=ppt/slides/slide5.xml><?xml version="1.0" encoding="utf-8"?>
+<p:sld xmlns:a="http://schemas.openxmlformats.org/drawingml/2006/main" xmlns:r="http://schemas.openxmlformats.org/officeDocument/2006/relationships" xmlns:p="http://schemas.openxmlformats.org/presentationml/2006/main" showMasterSp="0">
   <p:cSld>
     <p:spTree>
       <p:nvGrpSpPr>
@@ -15259,7 +14937,7 @@
         <p:spPr>
           <a:xfrm>
             <a:off x="1166813" y="2652713"/>
-            <a:ext cx="5394325" cy="3436937"/>
+            <a:ext cx="6969654" cy="3436937"/>
           </a:xfrm>
         </p:spPr>
         <p:txBody>
@@ -15269,48 +14947,16 @@
           <a:lstStyle/>
           <a:p>
             <a:r>
-              <a:rPr lang="en-US" dirty="0"/>
+              <a:rPr lang="en-US" dirty="0">
+                <a:solidFill>
+                  <a:schemeClr val="tx1"/>
+                </a:solidFill>
+              </a:rPr>
               <a:t>Liver cirrhosis is a big problem globally, especially in North America, where more people are getting it, mostly because of drinking alcohol. Even though doctors know more about it now, we still need better ways to find it early and figure out who's at risk. </a:t>
             </a:r>
           </a:p>
         </p:txBody>
       </p:sp>
-      <p:pic>
-        <p:nvPicPr>
-          <p:cNvPr id="25" name="Picture Placeholder 24" descr="A couple of people looking at a computer">
-            <a:extLst>
-              <a:ext uri="{FF2B5EF4-FFF2-40B4-BE49-F238E27FC236}">
-                <a16:creationId xmlns:a16="http://schemas.microsoft.com/office/drawing/2014/main" id="{E57751D1-D655-B1C0-2407-A8826F551024}"/>
-              </a:ext>
-            </a:extLst>
-          </p:cNvPr>
-          <p:cNvPicPr>
-            <a:picLocks noGrp="1" noChangeAspect="1"/>
-          </p:cNvPicPr>
-          <p:nvPr>
-            <p:ph type="pic" sz="quarter" idx="14"/>
-          </p:nvPr>
-        </p:nvPicPr>
-        <p:blipFill>
-          <a:blip r:embed="rId3">
-            <a:duotone>
-              <a:schemeClr val="accent4">
-                <a:shade val="45000"/>
-                <a:satMod val="135000"/>
-              </a:schemeClr>
-              <a:prstClr val="white"/>
-            </a:duotone>
-          </a:blip>
-          <a:srcRect l="16667" r="16667"/>
-          <a:stretch/>
-        </p:blipFill>
-        <p:spPr>
-          <a:xfrm>
-            <a:off x="7267120" y="1498600"/>
-            <a:ext cx="4214010" cy="4214010"/>
-          </a:xfrm>
-        </p:spPr>
-      </p:pic>
     </p:spTree>
     <p:extLst>
       <p:ext uri="{BB962C8B-B14F-4D97-AF65-F5344CB8AC3E}">
@@ -15324,8 +14970,8 @@
 </p:sld>
 </file>
 
-<file path=ppt/slides/slide7.xml><?xml version="1.0" encoding="utf-8"?>
-<p:sld xmlns:a="http://schemas.openxmlformats.org/drawingml/2006/main" xmlns:r="http://schemas.openxmlformats.org/officeDocument/2006/relationships" xmlns:p="http://schemas.openxmlformats.org/presentationml/2006/main">
+<file path=ppt/slides/slide6.xml><?xml version="1.0" encoding="utf-8"?>
+<p:sld xmlns:a="http://schemas.openxmlformats.org/drawingml/2006/main" xmlns:r="http://schemas.openxmlformats.org/officeDocument/2006/relationships" xmlns:p="http://schemas.openxmlformats.org/presentationml/2006/main" showMasterSp="0">
   <p:cSld>
     <p:spTree>
       <p:nvGrpSpPr>
@@ -15388,90 +15034,82 @@
         </p:nvSpPr>
         <p:spPr>
           <a:xfrm>
-            <a:off x="1166088" y="2652713"/>
-            <a:ext cx="5768968" cy="3436936"/>
+            <a:off x="1166087" y="2652713"/>
+            <a:ext cx="10839645" cy="3436936"/>
           </a:xfrm>
         </p:spPr>
         <p:txBody>
-          <a:bodyPr numCol="2">
-            <a:normAutofit fontScale="92500" lnSpcReduction="20000"/>
+          <a:bodyPr numCol="1">
+            <a:normAutofit/>
           </a:bodyPr>
           <a:lstStyle/>
           <a:p>
             <a:r>
-              <a:rPr lang="en-US" sz="2600" b="1" dirty="0"/>
+              <a:rPr lang="en-US" sz="2600" b="1" dirty="0">
+                <a:solidFill>
+                  <a:schemeClr val="tx1"/>
+                </a:solidFill>
+              </a:rPr>
               <a:t>In</a:t>
             </a:r>
             <a:r>
-              <a:rPr lang="en-US" dirty="0"/>
+              <a:rPr lang="en-US" dirty="0">
+                <a:solidFill>
+                  <a:schemeClr val="tx1"/>
+                </a:solidFill>
+              </a:rPr>
               <a:t> the realm of liver cirrhosis prediction, the existing systems typically rely on traditional statistical methods, clinical scoring systems, and individual biomarkers. </a:t>
             </a:r>
           </a:p>
           <a:p>
             <a:r>
-              <a:rPr lang="en-US" dirty="0"/>
+              <a:rPr lang="en-US" dirty="0">
+                <a:solidFill>
+                  <a:schemeClr val="tx1"/>
+                </a:solidFill>
+              </a:rPr>
               <a:t>While these approaches have been valuable in clinical practice, they often lack the predictive power and accuracy required for early detection and intervention. </a:t>
             </a:r>
           </a:p>
           <a:p>
             <a:r>
-              <a:rPr lang="en-US" b="1" dirty="0"/>
+              <a:rPr lang="en-US" b="1" dirty="0">
+                <a:solidFill>
+                  <a:schemeClr val="tx1"/>
+                </a:solidFill>
+              </a:rPr>
               <a:t>Disadvantages</a:t>
             </a:r>
           </a:p>
           <a:p>
             <a:r>
-              <a:rPr lang="en-US" dirty="0"/>
+              <a:rPr lang="en-US" dirty="0">
+                <a:solidFill>
+                  <a:schemeClr val="tx1"/>
+                </a:solidFill>
+              </a:rPr>
               <a:t>Accuracy: The accuracy is one of the major entity which can effect the entire outcome of the project </a:t>
             </a:r>
           </a:p>
           <a:p>
             <a:r>
-              <a:rPr lang="en-US" dirty="0"/>
+              <a:rPr lang="en-US" dirty="0">
+                <a:solidFill>
+                  <a:schemeClr val="tx1"/>
+                </a:solidFill>
+              </a:rPr>
               <a:t>Time: Due to the usage of old machine learning algorithm, the time consumption is higher than the new algorithm</a:t>
             </a:r>
           </a:p>
           <a:p>
-            <a:endParaRPr lang="en-US" dirty="0"/>
+            <a:endParaRPr lang="en-US" dirty="0">
+              <a:solidFill>
+                <a:schemeClr val="tx1"/>
+              </a:solidFill>
+            </a:endParaRPr>
           </a:p>
         </p:txBody>
       </p:sp>
-      <p:pic>
-        <p:nvPicPr>
-          <p:cNvPr id="10" name="Picture Placeholder 9" descr="A person holding books in a classroom">
-            <a:extLst>
-              <a:ext uri="{FF2B5EF4-FFF2-40B4-BE49-F238E27FC236}">
-                <a16:creationId xmlns:a16="http://schemas.microsoft.com/office/drawing/2014/main" id="{6BF14254-0475-4169-3BAF-BEBE36308C69}"/>
-              </a:ext>
-            </a:extLst>
-          </p:cNvPr>
-          <p:cNvPicPr>
-            <a:picLocks noGrp="1" noChangeAspect="1"/>
-          </p:cNvPicPr>
-          <p:nvPr>
-            <p:ph type="pic" sz="quarter" idx="14"/>
-          </p:nvPr>
-        </p:nvPicPr>
-        <p:blipFill rotWithShape="1">
-          <a:blip r:embed="rId2">
-            <a:duotone>
-              <a:schemeClr val="accent4">
-                <a:shade val="45000"/>
-                <a:satMod val="135000"/>
-              </a:schemeClr>
-              <a:prstClr val="white"/>
-            </a:duotone>
-          </a:blip>
-          <a:srcRect l="16667" r="16667"/>
-          <a:stretch/>
-        </p:blipFill>
-        <p:spPr>
-          <a:xfrm>
-            <a:off x="7318375" y="1447800"/>
-            <a:ext cx="4213225" cy="4213225"/>
-          </a:xfrm>
-        </p:spPr>
-      </p:pic>
     </p:spTree>
     <p:extLst>
       <p:ext uri="{BB962C8B-B14F-4D97-AF65-F5344CB8AC3E}">
@@ -15485,8 +15123,8 @@
 </p:sld>
 </file>
 
-<file path=ppt/slides/slide8.xml><?xml version="1.0" encoding="utf-8"?>
-<p:sld xmlns:a="http://schemas.openxmlformats.org/drawingml/2006/main" xmlns:r="http://schemas.openxmlformats.org/officeDocument/2006/relationships" xmlns:p="http://schemas.openxmlformats.org/presentationml/2006/main">
+<file path=ppt/slides/slide7.xml><?xml version="1.0" encoding="utf-8"?>
+<p:sld xmlns:a="http://schemas.openxmlformats.org/drawingml/2006/main" xmlns:r="http://schemas.openxmlformats.org/officeDocument/2006/relationships" xmlns:p="http://schemas.openxmlformats.org/presentationml/2006/main" showMasterSp="0">
   <p:cSld>
     <p:spTree>
       <p:nvGrpSpPr>
@@ -15549,8 +15187,8 @@
         </p:nvSpPr>
         <p:spPr>
           <a:xfrm>
-            <a:off x="1166088" y="2652713"/>
-            <a:ext cx="5768968" cy="3436936"/>
+            <a:off x="1166087" y="2652713"/>
+            <a:ext cx="10323179" cy="3436936"/>
           </a:xfrm>
         </p:spPr>
         <p:txBody>
@@ -15560,47 +15198,28 @@
           <a:lstStyle/>
           <a:p>
             <a:r>
-              <a:rPr lang="en-US" sz="2800" dirty="0">
+              <a:rPr lang="en-US" dirty="0">
+                <a:solidFill>
+                  <a:schemeClr val="tx1"/>
+                </a:solidFill>
                 <a:cs typeface="Times New Roman" panose="02020603050405020304" pitchFamily="18" charset="0"/>
               </a:rPr>
               <a:t>Usage of latest algorithms line XGBoost (Extreme Gradient Boosting Algorithm) and EDA ( Exploratory Data Analysis ) may help to increase the accuracy and reduce the time consumption</a:t>
             </a:r>
           </a:p>
           <a:p>
-            <a:endParaRPr lang="en-US" sz="2800" dirty="0">
-              <a:cs typeface="Times New Roman" panose="02020603050405020304" pitchFamily="18" charset="0"/>
-            </a:endParaRPr>
+            <a:r>
+              <a:rPr lang="en-US" dirty="0">
+                <a:solidFill>
+                  <a:schemeClr val="tx1"/>
+                </a:solidFill>
+                <a:cs typeface="Times New Roman" panose="02020603050405020304" pitchFamily="18" charset="0"/>
+              </a:rPr>
+              <a:t>The problem statement for predicting liver cirrhosis using XGBoost and Exploratory Data Analysis (EDA) typically involves developing a machine learning model that can accurately identify individuals at risk of liver cirrhosis based on various clinical and demographic features. The goal is to assist in early detection, diagnosis, and reduction of risks and mortality associated with liver disease.</a:t>
+            </a:r>
           </a:p>
         </p:txBody>
       </p:sp>
-      <p:pic>
-        <p:nvPicPr>
-          <p:cNvPr id="10" name="Picture Placeholder 9">
-            <a:extLst>
-              <a:ext uri="{FF2B5EF4-FFF2-40B4-BE49-F238E27FC236}">
-                <a16:creationId xmlns:a16="http://schemas.microsoft.com/office/drawing/2014/main" id="{6BF14254-0475-4169-3BAF-BEBE36308C69}"/>
-              </a:ext>
-            </a:extLst>
-          </p:cNvPr>
-          <p:cNvPicPr>
-            <a:picLocks noGrp="1" noChangeAspect="1"/>
-          </p:cNvPicPr>
-          <p:nvPr>
-            <p:ph type="pic" sz="quarter" idx="14"/>
-          </p:nvPr>
-        </p:nvPicPr>
-        <p:blipFill rotWithShape="1">
-          <a:blip r:embed="rId2"/>
-          <a:srcRect/>
-          <a:stretch/>
-        </p:blipFill>
-        <p:spPr>
-          <a:xfrm>
-            <a:off x="7318375" y="1447800"/>
-            <a:ext cx="4213225" cy="4213225"/>
-          </a:xfrm>
-        </p:spPr>
-      </p:pic>
     </p:spTree>
     <p:extLst>
       <p:ext uri="{BB962C8B-B14F-4D97-AF65-F5344CB8AC3E}">
@@ -15614,8 +15233,8 @@
 </p:sld>
 </file>
 
-<file path=ppt/slides/slide9.xml><?xml version="1.0" encoding="utf-8"?>
-<p:sld xmlns:a="http://schemas.openxmlformats.org/drawingml/2006/main" xmlns:r="http://schemas.openxmlformats.org/officeDocument/2006/relationships" xmlns:p="http://schemas.openxmlformats.org/presentationml/2006/main">
+<file path=ppt/slides/slide8.xml><?xml version="1.0" encoding="utf-8"?>
+<p:sld xmlns:a="http://schemas.openxmlformats.org/drawingml/2006/main" xmlns:r="http://schemas.openxmlformats.org/officeDocument/2006/relationships" xmlns:p="http://schemas.openxmlformats.org/presentationml/2006/main" showMasterSp="0">
   <p:cSld>
     <p:spTree>
       <p:nvGrpSpPr>
@@ -15698,6 +15317,69 @@
     <p:extLst>
       <p:ext uri="{BB962C8B-B14F-4D97-AF65-F5344CB8AC3E}">
         <p14:creationId xmlns:p14="http://schemas.microsoft.com/office/powerpoint/2010/main" val="907915534"/>
+      </p:ext>
+    </p:extLst>
+  </p:cSld>
+  <p:clrMapOvr>
+    <a:masterClrMapping/>
+  </p:clrMapOvr>
+</p:sld>
+</file>
+
+<file path=ppt/slides/slide9.xml><?xml version="1.0" encoding="utf-8"?>
+<p:sld xmlns:a="http://schemas.openxmlformats.org/drawingml/2006/main" xmlns:r="http://schemas.openxmlformats.org/officeDocument/2006/relationships" xmlns:p="http://schemas.openxmlformats.org/presentationml/2006/main" showMasterSp="0">
+  <p:cSld>
+    <p:spTree>
+      <p:nvGrpSpPr>
+        <p:cNvPr id="1" name=""/>
+        <p:cNvGrpSpPr/>
+        <p:nvPr/>
+      </p:nvGrpSpPr>
+      <p:grpSpPr>
+        <a:xfrm>
+          <a:off x="0" y="0"/>
+          <a:ext cx="0" cy="0"/>
+          <a:chOff x="0" y="0"/>
+          <a:chExt cx="0" cy="0"/>
+        </a:xfrm>
+      </p:grpSpPr>
+      <p:sp>
+        <p:nvSpPr>
+          <p:cNvPr id="2" name="Title 1">
+            <a:extLst>
+              <a:ext uri="{FF2B5EF4-FFF2-40B4-BE49-F238E27FC236}">
+                <a16:creationId xmlns:a16="http://schemas.microsoft.com/office/drawing/2014/main" id="{E3CEE190-899A-46D2-989D-C4BC6A46F946}"/>
+              </a:ext>
+            </a:extLst>
+          </p:cNvPr>
+          <p:cNvSpPr>
+            <a:spLocks noGrp="1"/>
+          </p:cNvSpPr>
+          <p:nvPr>
+            <p:ph type="title"/>
+          </p:nvPr>
+        </p:nvSpPr>
+        <p:spPr>
+          <a:xfrm>
+            <a:off x="590764" y="1731195"/>
+            <a:ext cx="5120640" cy="3200400"/>
+          </a:xfrm>
+        </p:spPr>
+        <p:txBody>
+          <a:bodyPr/>
+          <a:lstStyle/>
+          <a:p>
+            <a:r>
+              <a:rPr lang="en-US" dirty="0"/>
+              <a:t>Algorithms</a:t>
+            </a:r>
+          </a:p>
+        </p:txBody>
+      </p:sp>
+    </p:spTree>
+    <p:extLst>
+      <p:ext uri="{BB962C8B-B14F-4D97-AF65-F5344CB8AC3E}">
+        <p14:creationId xmlns:p14="http://schemas.microsoft.com/office/powerpoint/2010/main" val="254394053"/>
       </p:ext>
     </p:extLst>
   </p:cSld>
@@ -16499,15 +16181,6 @@
 </file>
 
 <file path=customXml/item1.xml><?xml version="1.0" encoding="utf-8"?>
-<?mso-contentType ?>
-<FormTemplates xmlns="http://schemas.microsoft.com/sharepoint/v3/contenttype/forms">
-  <Display>DocumentLibraryForm</Display>
-  <Edit>DocumentLibraryForm</Edit>
-  <New>DocumentLibraryForm</New>
-</FormTemplates>
-</file>
-
-<file path=customXml/item2.xml><?xml version="1.0" encoding="utf-8"?>
 <p:properties xmlns:p="http://schemas.microsoft.com/office/2006/metadata/properties" xmlns:xsi="http://www.w3.org/2001/XMLSchema-instance" xmlns:pc="http://schemas.microsoft.com/office/infopath/2007/PartnerControls">
   <documentManagement>
     <_ip_UnifiedCompliancePolicyUIAction xmlns="http://schemas.microsoft.com/sharepoint/v3" xsi:nil="true"/>
@@ -16527,7 +16200,7 @@
 </p:properties>
 </file>
 
-<file path=customXml/item3.xml><?xml version="1.0" encoding="utf-8"?>
+<file path=customXml/item2.xml><?xml version="1.0" encoding="utf-8"?>
 <ct:contentTypeSchema xmlns:ct="http://schemas.microsoft.com/office/2006/metadata/contentType" xmlns:ma="http://schemas.microsoft.com/office/2006/metadata/properties/metaAttributes" ct:_="" ma:_="" ma:contentTypeName="Document" ma:contentTypeID="0x01010079F111ED35F8CC479449609E8A0923A6" ma:contentTypeVersion="28" ma:contentTypeDescription="Create a new document." ma:contentTypeScope="" ma:versionID="60f5a4f2d2b0abadcf532d48ebf9cb71">
   <xsd:schema xmlns:xsd="http://www.w3.org/2001/XMLSchema" xmlns:xs="http://www.w3.org/2001/XMLSchema" xmlns:p="http://schemas.microsoft.com/office/2006/metadata/properties" xmlns:ns1="http://schemas.microsoft.com/sharepoint/v3" xmlns:ns2="71af3243-3dd4-4a8d-8c0d-dd76da1f02a5" xmlns:ns3="16c05727-aa75-4e4a-9b5f-8a80a1165891" xmlns:ns4="230e9df3-be65-4c73-a93b-d1236ebd677e" targetNamespace="http://schemas.microsoft.com/office/2006/metadata/properties" ma:root="true" ma:fieldsID="7dd78129e6a1811f84807ad11c651531" ns1:_="" ns2:_="" ns3:_="" ns4:_="">
     <xsd:import namespace="http://schemas.microsoft.com/sharepoint/v3"/>
@@ -16839,15 +16512,16 @@
 </ct:contentTypeSchema>
 </file>
 
-<file path=customXml/itemProps1.xml><?xml version="1.0" encoding="utf-8"?>
-<ds:datastoreItem xmlns:ds="http://schemas.openxmlformats.org/officeDocument/2006/customXml" ds:itemID="{45A8381C-73EB-48EA-B45F-7B7C8C7DF409}">
-  <ds:schemaRefs>
-    <ds:schemaRef ds:uri="http://schemas.microsoft.com/sharepoint/v3/contenttype/forms"/>
-  </ds:schemaRefs>
-</ds:datastoreItem>
+<file path=customXml/item3.xml><?xml version="1.0" encoding="utf-8"?>
+<?mso-contentType ?>
+<FormTemplates xmlns="http://schemas.microsoft.com/sharepoint/v3/contenttype/forms">
+  <Display>DocumentLibraryForm</Display>
+  <Edit>DocumentLibraryForm</Edit>
+  <New>DocumentLibraryForm</New>
+</FormTemplates>
 </file>
 
-<file path=customXml/itemProps2.xml><?xml version="1.0" encoding="utf-8"?>
+<file path=customXml/itemProps1.xml><?xml version="1.0" encoding="utf-8"?>
 <ds:datastoreItem xmlns:ds="http://schemas.openxmlformats.org/officeDocument/2006/customXml" ds:itemID="{61E98C35-9ECE-4425-BCBA-00E118C705CE}">
   <ds:schemaRefs>
     <ds:schemaRef ds:uri="71af3243-3dd4-4a8d-8c0d-dd76da1f02a5"/>
@@ -16866,7 +16540,7 @@
 </ds:datastoreItem>
 </file>
 
-<file path=customXml/itemProps3.xml><?xml version="1.0" encoding="utf-8"?>
+<file path=customXml/itemProps2.xml><?xml version="1.0" encoding="utf-8"?>
 <ds:datastoreItem xmlns:ds="http://schemas.openxmlformats.org/officeDocument/2006/customXml" ds:itemID="{5AA6A711-2C3F-4EC0-B88B-62D740851176}">
   <ds:schemaRefs>
     <ds:schemaRef ds:uri="http://schemas.microsoft.com/office/2006/metadata/contentType"/>
@@ -16887,6 +16561,14 @@
 </ds:datastoreItem>
 </file>
 
+<file path=customXml/itemProps3.xml><?xml version="1.0" encoding="utf-8"?>
+<ds:datastoreItem xmlns:ds="http://schemas.openxmlformats.org/officeDocument/2006/customXml" ds:itemID="{45A8381C-73EB-48EA-B45F-7B7C8C7DF409}">
+  <ds:schemaRefs>
+    <ds:schemaRef ds:uri="http://schemas.microsoft.com/sharepoint/v3/contenttype/forms"/>
+  </ds:schemaRefs>
+</ds:datastoreItem>
+</file>
+
 <file path=docMetadata/LabelInfo.xml><?xml version="1.0" encoding="utf-8"?>
 <clbl:labelList xmlns:clbl="http://schemas.microsoft.com/office/2020/mipLabelMetadata"/>
 </file>